--- a/kaplan_job_talk.pptx
+++ b/kaplan_job_talk.pptx
@@ -795,7 +795,7 @@
             </a:pPr>
             <a:r>
               <a:rPr lang="en"/>
-              <a:t>In the last 30 years we’ve hired police and incarceration rates have skyrocket. There’s discussion that we’ve spent too much on prisons AND on police - more police lead to more arrests to more prisoners. There have been discussions (Chief Bill Bratton) that police may deter crime and cause lower incarceration rates. </a:t>
+              <a:t>Introduce talk then talk about background.</a:t>
             </a:r>
             <a:endParaRPr/>
           </a:p>
@@ -3872,7 +3872,7 @@
       </p:grpSpPr>
       <p:sp>
         <p:nvSpPr>
-          <p:cNvPr id="330" name="Google Shape;330;g46c84be954_0_14:notes"/>
+          <p:cNvPr id="330" name="Google Shape;330;g4cfe0d8d54_0_44:notes"/>
           <p:cNvSpPr/>
           <p:nvPr>
             <p:ph idx="2" type="sldImg"/>
@@ -3907,7 +3907,7 @@
       </p:sp>
       <p:sp>
         <p:nvSpPr>
-          <p:cNvPr id="331" name="Google Shape;331;g46c84be954_0_14:notes"/>
+          <p:cNvPr id="331" name="Google Shape;331;g4cfe0d8d54_0_44:notes"/>
           <p:cNvSpPr txBox="1"/>
           <p:nvPr>
             <p:ph idx="1" type="body"/>
@@ -3938,8 +3938,7 @@
               <a:buNone/>
             </a:pPr>
             <a:r>
-              <a:rPr lang="en"/>
-              <a:t>Still thinking about what a jail paper would look like</a:t>
+              <a:t/>
             </a:r>
             <a:endParaRPr/>
           </a:p>
@@ -10787,15 +10786,7 @@
                   <a:srgbClr val="FFFFFF"/>
                 </a:solidFill>
               </a:rPr>
-              <a:t>Policing increases incarceration</a:t>
-            </a:r>
-            <a:r>
-              <a:rPr lang="en" sz="2000">
-                <a:solidFill>
-                  <a:srgbClr val="FFFFFF"/>
-                </a:solidFill>
-              </a:rPr>
-              <a:t>?</a:t>
+              <a:t>Policing increases incarceration?</a:t>
             </a:r>
             <a:endParaRPr sz="2000">
               <a:solidFill>
@@ -11113,7 +11104,7 @@
                   <a:srgbClr val="FFFFFF"/>
                 </a:solidFill>
               </a:rPr>
-              <a:t>Former NYPD Commissioner Bill Bratton</a:t>
+              <a:t>Policing decreases incarceration?</a:t>
             </a:r>
             <a:endParaRPr sz="2000">
               <a:solidFill>
@@ -11138,10 +11129,10 @@
             <a:r>
               <a:rPr lang="en" sz="2000">
                 <a:solidFill>
-                  <a:srgbClr val="FFFFFF"/>
+                  <a:schemeClr val="dk1"/>
                 </a:solidFill>
               </a:rPr>
-              <a:t>Policing decreases incarceration?</a:t>
+              <a:t>Former NYPD Commissioner Bill Bratton</a:t>
             </a:r>
             <a:endParaRPr sz="2000">
               <a:solidFill>
@@ -12618,7 +12609,7 @@
                   <a:srgbClr val="FFFFFF"/>
                 </a:solidFill>
               </a:rPr>
-              <a:t>Research topics</a:t>
+              <a:t>Research Topics</a:t>
             </a:r>
             <a:endParaRPr>
               <a:solidFill>
@@ -13394,7 +13385,7 @@
             <a:tbl>
               <a:tblPr>
                 <a:noFill/>
-                <a:tableStyleId>{1A6FD445-E992-4342-ACCB-587C952F8B59}</a:tableStyleId>
+                <a:tableStyleId>{01F249DD-FF95-4985-A3F6-A34E11387DFB}</a:tableStyleId>
               </a:tblPr>
               <a:tblGrid>
                 <a:gridCol w="3875650"/>
@@ -14148,7 +14139,7 @@
             <a:tbl>
               <a:tblPr>
                 <a:noFill/>
-                <a:tableStyleId>{1A6FD445-E992-4342-ACCB-587C952F8B59}</a:tableStyleId>
+                <a:tableStyleId>{01F249DD-FF95-4985-A3F6-A34E11387DFB}</a:tableStyleId>
               </a:tblPr>
               <a:tblGrid>
                 <a:gridCol w="3875650"/>
@@ -14408,7 +14399,15 @@
                             <a:srgbClr val="FFFFFF"/>
                           </a:solidFill>
                         </a:rPr>
-                        <a:t>11,001,461</a:t>
+                        <a:t>11,001,</a:t>
+                      </a:r>
+                      <a:r>
+                        <a:rPr lang="en" sz="2200">
+                          <a:solidFill>
+                            <a:srgbClr val="FFFFFF"/>
+                          </a:solidFill>
+                        </a:rPr>
+                        <a:t>461</a:t>
                       </a:r>
                       <a:endParaRPr sz="2200">
                         <a:solidFill>
@@ -14509,7 +14508,15 @@
                             <a:srgbClr val="FFFFFF"/>
                           </a:solidFill>
                         </a:rPr>
-                        <a:t>502,174</a:t>
+                        <a:t>502,</a:t>
+                      </a:r>
+                      <a:r>
+                        <a:rPr lang="en" sz="2200">
+                          <a:solidFill>
+                            <a:srgbClr val="FFFFFF"/>
+                          </a:solidFill>
+                        </a:rPr>
+                        <a:t>174</a:t>
                       </a:r>
                       <a:endParaRPr sz="2200">
                         <a:solidFill>
@@ -14610,7 +14617,15 @@
                             <a:srgbClr val="FFFFFF"/>
                           </a:solidFill>
                         </a:rPr>
-                        <a:t>1,508,597</a:t>
+                        <a:t>1,508,</a:t>
+                      </a:r>
+                      <a:r>
+                        <a:rPr lang="en" sz="2200">
+                          <a:solidFill>
+                            <a:srgbClr val="FFFFFF"/>
+                          </a:solidFill>
+                        </a:rPr>
+                        <a:t>597</a:t>
                       </a:r>
                       <a:endParaRPr sz="2200">
                         <a:solidFill>
@@ -14927,7 +14942,7 @@
             <a:tbl>
               <a:tblPr>
                 <a:noFill/>
-                <a:tableStyleId>{1A6FD445-E992-4342-ACCB-587C952F8B59}</a:tableStyleId>
+                <a:tableStyleId>{01F249DD-FF95-4985-A3F6-A34E11387DFB}</a:tableStyleId>
               </a:tblPr>
               <a:tblGrid>
                 <a:gridCol w="3875650"/>
@@ -15706,7 +15721,7 @@
             <a:tbl>
               <a:tblPr>
                 <a:noFill/>
-                <a:tableStyleId>{1A6FD445-E992-4342-ACCB-587C952F8B59}</a:tableStyleId>
+                <a:tableStyleId>{01F249DD-FF95-4985-A3F6-A34E11387DFB}</a:tableStyleId>
               </a:tblPr>
               <a:tblGrid>
                 <a:gridCol w="1680225"/>
@@ -16421,7 +16436,7 @@
             <a:tbl>
               <a:tblPr>
                 <a:noFill/>
-                <a:tableStyleId>{1A6FD445-E992-4342-ACCB-587C952F8B59}</a:tableStyleId>
+                <a:tableStyleId>{01F249DD-FF95-4985-A3F6-A34E11387DFB}</a:tableStyleId>
               </a:tblPr>
               <a:tblGrid>
                 <a:gridCol w="1680225"/>
@@ -17151,7 +17166,7 @@
             <a:tbl>
               <a:tblPr>
                 <a:noFill/>
-                <a:tableStyleId>{1A6FD445-E992-4342-ACCB-587C952F8B59}</a:tableStyleId>
+                <a:tableStyleId>{01F249DD-FF95-4985-A3F6-A34E11387DFB}</a:tableStyleId>
               </a:tblPr>
               <a:tblGrid>
                 <a:gridCol w="1680225"/>
@@ -18444,7 +18459,7 @@
                   <a:srgbClr val="FFFFFF"/>
                 </a:solidFill>
               </a:rPr>
-              <a:t>Research topics</a:t>
+              <a:t>Research Topics</a:t>
             </a:r>
             <a:endParaRPr>
               <a:solidFill>
@@ -18556,7 +18571,7 @@
                   <a:srgbClr val="FFFFFF"/>
                 </a:solidFill>
               </a:rPr>
-              <a:t>Data focus</a:t>
+              <a:t>Data Focus</a:t>
             </a:r>
             <a:endParaRPr>
               <a:solidFill>
@@ -20178,7 +20193,7 @@
             <a:tbl>
               <a:tblPr>
                 <a:noFill/>
-                <a:tableStyleId>{1A6FD445-E992-4342-ACCB-587C952F8B59}</a:tableStyleId>
+                <a:tableStyleId>{01F249DD-FF95-4985-A3F6-A34E11387DFB}</a:tableStyleId>
               </a:tblPr>
               <a:tblGrid>
                 <a:gridCol w="1828800"/>
@@ -21686,7 +21701,7 @@
             <a:tbl>
               <a:tblPr>
                 <a:noFill/>
-                <a:tableStyleId>{1A6FD445-E992-4342-ACCB-587C952F8B59}</a:tableStyleId>
+                <a:tableStyleId>{01F249DD-FF95-4985-A3F6-A34E11387DFB}</a:tableStyleId>
               </a:tblPr>
               <a:tblGrid>
                 <a:gridCol w="1828800"/>
@@ -23194,7 +23209,7 @@
             <a:tbl>
               <a:tblPr>
                 <a:noFill/>
-                <a:tableStyleId>{1A6FD445-E992-4342-ACCB-587C952F8B59}</a:tableStyleId>
+                <a:tableStyleId>{01F249DD-FF95-4985-A3F6-A34E11387DFB}</a:tableStyleId>
               </a:tblPr>
               <a:tblGrid>
                 <a:gridCol w="1828800"/>
@@ -24702,7 +24717,7 @@
             <a:tbl>
               <a:tblPr>
                 <a:noFill/>
-                <a:tableStyleId>{1A6FD445-E992-4342-ACCB-587C952F8B59}</a:tableStyleId>
+                <a:tableStyleId>{01F249DD-FF95-4985-A3F6-A34E11387DFB}</a:tableStyleId>
               </a:tblPr>
               <a:tblGrid>
                 <a:gridCol w="1828800"/>
@@ -26118,8 +26133,8 @@
         </p:nvSpPr>
         <p:spPr>
           <a:xfrm>
-            <a:off x="0" y="0"/>
-            <a:ext cx="9144000" cy="572700"/>
+            <a:off x="311700" y="445025"/>
+            <a:ext cx="8520600" cy="572700"/>
           </a:xfrm>
           <a:prstGeom prst="rect">
             <a:avLst/>
@@ -26138,6 +26153,11 @@
               <a:spcAft>
                 <a:spcPts val="0"/>
               </a:spcAft>
+              <a:buClr>
+                <a:srgbClr val="000000"/>
+              </a:buClr>
+              <a:buSzPts val="1100"/>
+              <a:buFont typeface="Arial"/>
               <a:buNone/>
             </a:pPr>
             <a:r>
@@ -26147,6 +26167,25 @@
                 </a:solidFill>
               </a:rPr>
               <a:t>More cops, fewer prisoners?</a:t>
+            </a:r>
+            <a:endParaRPr>
+              <a:solidFill>
+                <a:srgbClr val="FF9900"/>
+              </a:solidFill>
+            </a:endParaRPr>
+          </a:p>
+          <a:p>
+            <a:pPr indent="0" lvl="0" marL="0" rtl="0" algn="ctr">
+              <a:spcBef>
+                <a:spcPts val="0"/>
+              </a:spcBef>
+              <a:spcAft>
+                <a:spcPts val="0"/>
+              </a:spcAft>
+              <a:buNone/>
+            </a:pPr>
+            <a:r>
+              <a:t/>
             </a:r>
             <a:endParaRPr>
               <a:solidFill>
@@ -26284,114 +26323,7 @@
               </a:rPr>
               <a:t>Only looks at prisons</a:t>
             </a:r>
-            <a:endParaRPr sz="2000">
-              <a:solidFill>
-                <a:schemeClr val="dk1"/>
-              </a:solidFill>
-            </a:endParaRPr>
-          </a:p>
-          <a:p>
-            <a:pPr indent="0" lvl="0" marL="457200" rtl="0" algn="l">
-              <a:spcBef>
-                <a:spcPts val="1600"/>
-              </a:spcBef>
-              <a:spcAft>
-                <a:spcPts val="0"/>
-              </a:spcAft>
-              <a:buNone/>
-            </a:pPr>
-            <a:r>
-              <a:t/>
-            </a:r>
-            <a:endParaRPr sz="2000">
-              <a:solidFill>
-                <a:schemeClr val="dk1"/>
-              </a:solidFill>
-            </a:endParaRPr>
-          </a:p>
-          <a:p>
-            <a:pPr indent="0" lvl="0" marL="0" marR="0" rtl="0" algn="l">
-              <a:lnSpc>
-                <a:spcPct val="115000"/>
-              </a:lnSpc>
-              <a:spcBef>
-                <a:spcPts val="1600"/>
-              </a:spcBef>
-              <a:spcAft>
-                <a:spcPts val="0"/>
-              </a:spcAft>
-              <a:buNone/>
-            </a:pPr>
-            <a:r>
-              <a:t/>
-            </a:r>
-            <a:endParaRPr sz="2000">
-              <a:solidFill>
-                <a:srgbClr val="FFFFFF"/>
-              </a:solidFill>
-            </a:endParaRPr>
-          </a:p>
-          <a:p>
-            <a:pPr indent="0" lvl="0" marL="457200" marR="0" rtl="0" algn="l">
-              <a:lnSpc>
-                <a:spcPct val="115000"/>
-              </a:lnSpc>
-              <a:spcBef>
-                <a:spcPts val="1600"/>
-              </a:spcBef>
-              <a:spcAft>
-                <a:spcPts val="0"/>
-              </a:spcAft>
-              <a:buNone/>
-            </a:pPr>
-            <a:r>
-              <a:t/>
-            </a:r>
-            <a:endParaRPr sz="2000">
-              <a:solidFill>
-                <a:srgbClr val="FFFFFF"/>
-              </a:solidFill>
-            </a:endParaRPr>
-          </a:p>
-          <a:p>
-            <a:pPr indent="0" lvl="0" marL="457200" marR="0" rtl="0" algn="l">
-              <a:lnSpc>
-                <a:spcPct val="115000"/>
-              </a:lnSpc>
-              <a:spcBef>
-                <a:spcPts val="1600"/>
-              </a:spcBef>
-              <a:spcAft>
-                <a:spcPts val="0"/>
-              </a:spcAft>
-              <a:buNone/>
-            </a:pPr>
-            <a:r>
-              <a:t/>
-            </a:r>
-            <a:endParaRPr sz="2000">
-              <a:solidFill>
-                <a:srgbClr val="FFFFFF"/>
-              </a:solidFill>
-            </a:endParaRPr>
-          </a:p>
-          <a:p>
-            <a:pPr indent="0" lvl="0" marL="0" marR="0" rtl="0" algn="l">
-              <a:lnSpc>
-                <a:spcPct val="115000"/>
-              </a:lnSpc>
-              <a:spcBef>
-                <a:spcPts val="1600"/>
-              </a:spcBef>
-              <a:spcAft>
-                <a:spcPts val="1600"/>
-              </a:spcAft>
-              <a:buNone/>
-            </a:pPr>
-            <a:r>
-              <a:t/>
-            </a:r>
-            <a:endParaRPr sz="2000">
+            <a:endParaRPr>
               <a:solidFill>
                 <a:srgbClr val="FFFFFF"/>
               </a:solidFill>
@@ -26429,6 +26361,11 @@
               <a:spcAft>
                 <a:spcPts val="0"/>
               </a:spcAft>
+              <a:buClr>
+                <a:srgbClr val="000000"/>
+              </a:buClr>
+              <a:buSzPts val="1100"/>
+              <a:buFont typeface="Arial"/>
               <a:buNone/>
             </a:pPr>
             <a:fld id="{00000000-1234-1234-1234-123412341234}" type="slidenum">
@@ -26535,7 +26472,7 @@
           </a:bodyPr>
           <a:lstStyle/>
           <a:p>
-            <a:pPr indent="-342900" lvl="0" marL="457200" rtl="0" algn="l">
+            <a:pPr indent="-355600" lvl="0" marL="457200" rtl="0" algn="l">
               <a:spcBef>
                 <a:spcPts val="0"/>
               </a:spcBef>
@@ -26545,11 +26482,11 @@
               <a:buClr>
                 <a:srgbClr val="FFFFFF"/>
               </a:buClr>
-              <a:buSzPts val="1800"/>
+              <a:buSzPts val="2000"/>
               <a:buChar char="●"/>
             </a:pPr>
             <a:r>
-              <a:rPr lang="en">
+              <a:rPr lang="en" sz="2000">
                 <a:solidFill>
                   <a:srgbClr val="FFFFFF"/>
                 </a:solidFill>
@@ -26557,21 +26494,21 @@
               <a:t>Cleans and c</a:t>
             </a:r>
             <a:r>
-              <a:rPr lang="en">
+              <a:rPr lang="en" sz="2000">
                 <a:solidFill>
                   <a:srgbClr val="FFFFFF"/>
                 </a:solidFill>
               </a:rPr>
               <a:t>ombines several complex datasets</a:t>
             </a:r>
-            <a:endParaRPr>
+            <a:endParaRPr sz="2000">
               <a:solidFill>
                 <a:srgbClr val="FFFFFF"/>
               </a:solidFill>
             </a:endParaRPr>
           </a:p>
           <a:p>
-            <a:pPr indent="-342900" lvl="0" marL="457200" rtl="0" algn="l">
+            <a:pPr indent="-355600" lvl="0" marL="457200" rtl="0" algn="l">
               <a:spcBef>
                 <a:spcPts val="0"/>
               </a:spcBef>
@@ -26581,25 +26518,25 @@
               <a:buClr>
                 <a:srgbClr val="FFFFFF"/>
               </a:buClr>
-              <a:buSzPts val="1800"/>
+              <a:buSzPts val="2000"/>
               <a:buChar char="●"/>
             </a:pPr>
             <a:r>
-              <a:rPr lang="en">
+              <a:rPr lang="en" sz="2000">
                 <a:solidFill>
                   <a:srgbClr val="FFFFFF"/>
                 </a:solidFill>
               </a:rPr>
-              <a:t>Makes complicated data easily available</a:t>
+              <a:t>Makes complicated data available</a:t>
             </a:r>
-            <a:endParaRPr>
+            <a:endParaRPr sz="2000">
               <a:solidFill>
                 <a:srgbClr val="FFFFFF"/>
               </a:solidFill>
             </a:endParaRPr>
           </a:p>
           <a:p>
-            <a:pPr indent="-317500" lvl="1" marL="914400" rtl="0" algn="l">
+            <a:pPr indent="-355600" lvl="1" marL="914400" rtl="0" algn="l">
               <a:spcBef>
                 <a:spcPts val="0"/>
               </a:spcBef>
@@ -26609,25 +26546,25 @@
               <a:buClr>
                 <a:srgbClr val="FFFFFF"/>
               </a:buClr>
-              <a:buSzPts val="1400"/>
+              <a:buSzPts val="2000"/>
               <a:buChar char="○"/>
             </a:pPr>
             <a:r>
-              <a:rPr lang="en">
+              <a:rPr lang="en" sz="2000">
                 <a:solidFill>
                   <a:srgbClr val="FFFFFF"/>
                 </a:solidFill>
               </a:rPr>
               <a:t>U.S. Census ASPEP data</a:t>
             </a:r>
-            <a:endParaRPr>
+            <a:endParaRPr sz="2000">
               <a:solidFill>
                 <a:srgbClr val="FFFFFF"/>
               </a:solidFill>
             </a:endParaRPr>
           </a:p>
           <a:p>
-            <a:pPr indent="-342900" lvl="0" marL="457200" rtl="0" algn="l">
+            <a:pPr indent="-355600" lvl="0" marL="457200" rtl="0" algn="l">
               <a:spcBef>
                 <a:spcPts val="0"/>
               </a:spcBef>
@@ -26637,18 +26574,18 @@
               <a:buClr>
                 <a:srgbClr val="FFFFFF"/>
               </a:buClr>
-              <a:buSzPts val="1800"/>
+              <a:buSzPts val="2000"/>
               <a:buChar char="●"/>
             </a:pPr>
             <a:r>
-              <a:rPr lang="en">
+              <a:rPr lang="en" sz="2000">
                 <a:solidFill>
                   <a:srgbClr val="FFFFFF"/>
                 </a:solidFill>
               </a:rPr>
-              <a:t>Makes public dashboard to show data</a:t>
+              <a:t>Public dashboard to show data</a:t>
             </a:r>
-            <a:endParaRPr>
+            <a:endParaRPr sz="2000">
               <a:solidFill>
                 <a:srgbClr val="FFFFFF"/>
               </a:solidFill>
@@ -27413,7 +27350,7 @@
             <a:tbl>
               <a:tblPr>
                 <a:noFill/>
-                <a:tableStyleId>{1A6FD445-E992-4342-ACCB-587C952F8B59}</a:tableStyleId>
+                <a:tableStyleId>{01F249DD-FF95-4985-A3F6-A34E11387DFB}</a:tableStyleId>
               </a:tblPr>
               <a:tblGrid>
                 <a:gridCol w="1828800"/>
@@ -30331,6 +30268,285 @@
 </file>
 
 <file path=ppt/theme/theme1.xml><?xml version="1.0" encoding="utf-8"?>
+<a:theme xmlns:a="http://schemas.openxmlformats.org/drawingml/2006/main" xmlns:r="http://schemas.openxmlformats.org/officeDocument/2006/relationships" name="Simple Dark">
+  <a:themeElements>
+    <a:clrScheme name="Simple Dark">
+      <a:dk1>
+        <a:srgbClr val="FFFFFF"/>
+      </a:dk1>
+      <a:lt1>
+        <a:srgbClr val="212121"/>
+      </a:lt1>
+      <a:dk2>
+        <a:srgbClr val="303030"/>
+      </a:dk2>
+      <a:lt2>
+        <a:srgbClr val="ADADAD"/>
+      </a:lt2>
+      <a:accent1>
+        <a:srgbClr val="009688"/>
+      </a:accent1>
+      <a:accent2>
+        <a:srgbClr val="EEEEEE"/>
+      </a:accent2>
+      <a:accent3>
+        <a:srgbClr val="78909C"/>
+      </a:accent3>
+      <a:accent4>
+        <a:srgbClr val="FFAB40"/>
+      </a:accent4>
+      <a:accent5>
+        <a:srgbClr val="4DD0E1"/>
+      </a:accent5>
+      <a:accent6>
+        <a:srgbClr val="EEFF41"/>
+      </a:accent6>
+      <a:hlink>
+        <a:srgbClr val="4DD0E1"/>
+      </a:hlink>
+      <a:folHlink>
+        <a:srgbClr val="4DD0E1"/>
+      </a:folHlink>
+    </a:clrScheme>
+    <a:fontScheme name="Office">
+      <a:majorFont>
+        <a:latin typeface="Arial"/>
+        <a:ea typeface=""/>
+        <a:cs typeface=""/>
+        <a:font script="Jpan" typeface="ＭＳ Ｐゴシック"/>
+        <a:font script="Hang" typeface="맑은 고딕"/>
+        <a:font script="Hans" typeface="宋体"/>
+        <a:font script="Hant" typeface="新細明體"/>
+        <a:font script="Arab" typeface="Times New Roman"/>
+        <a:font script="Hebr" typeface="Times New Roman"/>
+        <a:font script="Thai" typeface="Angsana New"/>
+        <a:font script="Ethi" typeface="Nyala"/>
+        <a:font script="Beng" typeface="Vrinda"/>
+        <a:font script="Gujr" typeface="Shruti"/>
+        <a:font script="Khmr" typeface="MoolBoran"/>
+        <a:font script="Knda" typeface="Tunga"/>
+        <a:font script="Guru" typeface="Raavi"/>
+        <a:font script="Cans" typeface="Euphemia"/>
+        <a:font script="Cher" typeface="Plantagenet Cherokee"/>
+        <a:font script="Yiii" typeface="Microsoft Yi Baiti"/>
+        <a:font script="Tibt" typeface="Microsoft Himalaya"/>
+        <a:font script="Thaa" typeface="MV Boli"/>
+        <a:font script="Deva" typeface="Mangal"/>
+        <a:font script="Telu" typeface="Gautami"/>
+        <a:font script="Taml" typeface="Latha"/>
+        <a:font script="Syrc" typeface="Estrangelo Edessa"/>
+        <a:font script="Orya" typeface="Kalinga"/>
+        <a:font script="Mlym" typeface="Kartika"/>
+        <a:font script="Laoo" typeface="DokChampa"/>
+        <a:font script="Sinh" typeface="Iskoola Pota"/>
+        <a:font script="Mong" typeface="Mongolian Baiti"/>
+        <a:font script="Viet" typeface="Times New Roman"/>
+        <a:font script="Uigh" typeface="Microsoft Uighur"/>
+        <a:font script="Geor" typeface="Sylfaen"/>
+      </a:majorFont>
+      <a:minorFont>
+        <a:latin typeface="Arial"/>
+        <a:ea typeface=""/>
+        <a:cs typeface=""/>
+        <a:font script="Jpan" typeface="ＭＳ Ｐゴシック"/>
+        <a:font script="Hang" typeface="맑은 고딕"/>
+        <a:font script="Hans" typeface="宋体"/>
+        <a:font script="Hant" typeface="新細明體"/>
+        <a:font script="Arab" typeface="Arial"/>
+        <a:font script="Hebr" typeface="Arial"/>
+        <a:font script="Thai" typeface="Cordia New"/>
+        <a:font script="Ethi" typeface="Nyala"/>
+        <a:font script="Beng" typeface="Vrinda"/>
+        <a:font script="Gujr" typeface="Shruti"/>
+        <a:font script="Khmr" typeface="DaunPenh"/>
+        <a:font script="Knda" typeface="Tunga"/>
+        <a:font script="Guru" typeface="Raavi"/>
+        <a:font script="Cans" typeface="Euphemia"/>
+        <a:font script="Cher" typeface="Plantagenet Cherokee"/>
+        <a:font script="Yiii" typeface="Microsoft Yi Baiti"/>
+        <a:font script="Tibt" typeface="Microsoft Himalaya"/>
+        <a:font script="Thaa" typeface="MV Boli"/>
+        <a:font script="Deva" typeface="Mangal"/>
+        <a:font script="Telu" typeface="Gautami"/>
+        <a:font script="Taml" typeface="Latha"/>
+        <a:font script="Syrc" typeface="Estrangelo Edessa"/>
+        <a:font script="Orya" typeface="Kalinga"/>
+        <a:font script="Mlym" typeface="Kartika"/>
+        <a:font script="Laoo" typeface="DokChampa"/>
+        <a:font script="Sinh" typeface="Iskoola Pota"/>
+        <a:font script="Mong" typeface="Mongolian Baiti"/>
+        <a:font script="Viet" typeface="Arial"/>
+        <a:font script="Uigh" typeface="Microsoft Uighur"/>
+        <a:font script="Geor" typeface="Sylfaen"/>
+      </a:minorFont>
+    </a:fontScheme>
+    <a:fmtScheme name="Office">
+      <a:fillStyleLst>
+        <a:solidFill>
+          <a:schemeClr val="phClr"/>
+        </a:solidFill>
+        <a:gradFill rotWithShape="1">
+          <a:gsLst>
+            <a:gs pos="0">
+              <a:schemeClr val="phClr">
+                <a:tint val="50000"/>
+                <a:satMod val="300000"/>
+              </a:schemeClr>
+            </a:gs>
+            <a:gs pos="35000">
+              <a:schemeClr val="phClr">
+                <a:tint val="37000"/>
+                <a:satMod val="300000"/>
+              </a:schemeClr>
+            </a:gs>
+            <a:gs pos="100000">
+              <a:schemeClr val="phClr">
+                <a:tint val="15000"/>
+                <a:satMod val="350000"/>
+              </a:schemeClr>
+            </a:gs>
+          </a:gsLst>
+          <a:lin ang="16200000" scaled="1"/>
+        </a:gradFill>
+        <a:gradFill rotWithShape="1">
+          <a:gsLst>
+            <a:gs pos="0">
+              <a:schemeClr val="phClr">
+                <a:tint val="100000"/>
+                <a:shade val="100000"/>
+                <a:satMod val="130000"/>
+              </a:schemeClr>
+            </a:gs>
+            <a:gs pos="100000">
+              <a:schemeClr val="phClr">
+                <a:tint val="50000"/>
+                <a:shade val="100000"/>
+                <a:satMod val="350000"/>
+              </a:schemeClr>
+            </a:gs>
+          </a:gsLst>
+          <a:lin ang="16200000" scaled="0"/>
+        </a:gradFill>
+      </a:fillStyleLst>
+      <a:lnStyleLst>
+        <a:ln w="9525" cap="flat" cmpd="sng" algn="ctr">
+          <a:solidFill>
+            <a:schemeClr val="phClr">
+              <a:shade val="95000"/>
+              <a:satMod val="105000"/>
+            </a:schemeClr>
+          </a:solidFill>
+          <a:prstDash val="solid"/>
+        </a:ln>
+        <a:ln w="25400" cap="flat" cmpd="sng" algn="ctr">
+          <a:solidFill>
+            <a:schemeClr val="phClr"/>
+          </a:solidFill>
+          <a:prstDash val="solid"/>
+        </a:ln>
+        <a:ln w="38100" cap="flat" cmpd="sng" algn="ctr">
+          <a:solidFill>
+            <a:schemeClr val="phClr"/>
+          </a:solidFill>
+          <a:prstDash val="solid"/>
+        </a:ln>
+      </a:lnStyleLst>
+      <a:effectStyleLst>
+        <a:effectStyle>
+          <a:effectLst>
+            <a:outerShdw blurRad="40000" dist="20000" dir="5400000" rotWithShape="0">
+              <a:srgbClr val="000000">
+                <a:alpha val="38000"/>
+              </a:srgbClr>
+            </a:outerShdw>
+          </a:effectLst>
+        </a:effectStyle>
+        <a:effectStyle>
+          <a:effectLst>
+            <a:outerShdw blurRad="40000" dist="23000" dir="5400000" rotWithShape="0">
+              <a:srgbClr val="000000">
+                <a:alpha val="35000"/>
+              </a:srgbClr>
+            </a:outerShdw>
+          </a:effectLst>
+        </a:effectStyle>
+        <a:effectStyle>
+          <a:effectLst>
+            <a:outerShdw blurRad="40000" dist="23000" dir="5400000" rotWithShape="0">
+              <a:srgbClr val="000000">
+                <a:alpha val="35000"/>
+              </a:srgbClr>
+            </a:outerShdw>
+          </a:effectLst>
+          <a:scene3d>
+            <a:camera prst="orthographicFront">
+              <a:rot lat="0" lon="0" rev="0"/>
+            </a:camera>
+            <a:lightRig rig="threePt" dir="t">
+              <a:rot lat="0" lon="0" rev="1200000"/>
+            </a:lightRig>
+          </a:scene3d>
+          <a:sp3d>
+            <a:bevelT w="63500" h="25400"/>
+          </a:sp3d>
+        </a:effectStyle>
+      </a:effectStyleLst>
+      <a:bgFillStyleLst>
+        <a:solidFill>
+          <a:schemeClr val="phClr"/>
+        </a:solidFill>
+        <a:gradFill rotWithShape="1">
+          <a:gsLst>
+            <a:gs pos="0">
+              <a:schemeClr val="phClr">
+                <a:tint val="40000"/>
+                <a:satMod val="350000"/>
+              </a:schemeClr>
+            </a:gs>
+            <a:gs pos="40000">
+              <a:schemeClr val="phClr">
+                <a:tint val="45000"/>
+                <a:shade val="99000"/>
+                <a:satMod val="350000"/>
+              </a:schemeClr>
+            </a:gs>
+            <a:gs pos="100000">
+              <a:schemeClr val="phClr">
+                <a:shade val="20000"/>
+                <a:satMod val="255000"/>
+              </a:schemeClr>
+            </a:gs>
+          </a:gsLst>
+          <a:path path="circle">
+            <a:fillToRect l="50000" t="-80000" r="50000" b="180000"/>
+          </a:path>
+        </a:gradFill>
+        <a:gradFill rotWithShape="1">
+          <a:gsLst>
+            <a:gs pos="0">
+              <a:schemeClr val="phClr">
+                <a:tint val="80000"/>
+                <a:satMod val="300000"/>
+              </a:schemeClr>
+            </a:gs>
+            <a:gs pos="100000">
+              <a:schemeClr val="phClr">
+                <a:shade val="30000"/>
+                <a:satMod val="200000"/>
+              </a:schemeClr>
+            </a:gs>
+          </a:gsLst>
+          <a:path path="circle">
+            <a:fillToRect l="50000" t="50000" r="50000" b="50000"/>
+          </a:path>
+        </a:gradFill>
+      </a:bgFillStyleLst>
+    </a:fmtScheme>
+  </a:themeElements>
+</a:theme>
+</file>
+
+<file path=ppt/theme/theme2.xml><?xml version="1.0" encoding="utf-8"?>
 <a:theme xmlns:a="http://schemas.openxmlformats.org/drawingml/2006/main" xmlns:r="http://schemas.openxmlformats.org/officeDocument/2006/relationships">
   <a:themeElements>
     <a:clrScheme name="Default">
@@ -30607,283 +30823,4 @@
     </a:fmtScheme>
   </a:themeElements>
 </a:theme>
-</file>
-
-<file path=ppt/theme/theme2.xml><?xml version="1.0" encoding="utf-8"?>
-<a:theme xmlns:a="http://schemas.openxmlformats.org/drawingml/2006/main" xmlns:r="http://schemas.openxmlformats.org/officeDocument/2006/relationships" name="Simple Dark">
-  <a:themeElements>
-    <a:clrScheme name="Simple Dark">
-      <a:dk1>
-        <a:srgbClr val="FFFFFF"/>
-      </a:dk1>
-      <a:lt1>
-        <a:srgbClr val="212121"/>
-      </a:lt1>
-      <a:dk2>
-        <a:srgbClr val="303030"/>
-      </a:dk2>
-      <a:lt2>
-        <a:srgbClr val="ADADAD"/>
-      </a:lt2>
-      <a:accent1>
-        <a:srgbClr val="009688"/>
-      </a:accent1>
-      <a:accent2>
-        <a:srgbClr val="EEEEEE"/>
-      </a:accent2>
-      <a:accent3>
-        <a:srgbClr val="78909C"/>
-      </a:accent3>
-      <a:accent4>
-        <a:srgbClr val="FFAB40"/>
-      </a:accent4>
-      <a:accent5>
-        <a:srgbClr val="4DD0E1"/>
-      </a:accent5>
-      <a:accent6>
-        <a:srgbClr val="EEFF41"/>
-      </a:accent6>
-      <a:hlink>
-        <a:srgbClr val="4DD0E1"/>
-      </a:hlink>
-      <a:folHlink>
-        <a:srgbClr val="4DD0E1"/>
-      </a:folHlink>
-    </a:clrScheme>
-    <a:fontScheme name="Office">
-      <a:majorFont>
-        <a:latin typeface="Arial"/>
-        <a:ea typeface=""/>
-        <a:cs typeface=""/>
-        <a:font script="Jpan" typeface="ＭＳ Ｐゴシック"/>
-        <a:font script="Hang" typeface="맑은 고딕"/>
-        <a:font script="Hans" typeface="宋体"/>
-        <a:font script="Hant" typeface="新細明體"/>
-        <a:font script="Arab" typeface="Times New Roman"/>
-        <a:font script="Hebr" typeface="Times New Roman"/>
-        <a:font script="Thai" typeface="Angsana New"/>
-        <a:font script="Ethi" typeface="Nyala"/>
-        <a:font script="Beng" typeface="Vrinda"/>
-        <a:font script="Gujr" typeface="Shruti"/>
-        <a:font script="Khmr" typeface="MoolBoran"/>
-        <a:font script="Knda" typeface="Tunga"/>
-        <a:font script="Guru" typeface="Raavi"/>
-        <a:font script="Cans" typeface="Euphemia"/>
-        <a:font script="Cher" typeface="Plantagenet Cherokee"/>
-        <a:font script="Yiii" typeface="Microsoft Yi Baiti"/>
-        <a:font script="Tibt" typeface="Microsoft Himalaya"/>
-        <a:font script="Thaa" typeface="MV Boli"/>
-        <a:font script="Deva" typeface="Mangal"/>
-        <a:font script="Telu" typeface="Gautami"/>
-        <a:font script="Taml" typeface="Latha"/>
-        <a:font script="Syrc" typeface="Estrangelo Edessa"/>
-        <a:font script="Orya" typeface="Kalinga"/>
-        <a:font script="Mlym" typeface="Kartika"/>
-        <a:font script="Laoo" typeface="DokChampa"/>
-        <a:font script="Sinh" typeface="Iskoola Pota"/>
-        <a:font script="Mong" typeface="Mongolian Baiti"/>
-        <a:font script="Viet" typeface="Times New Roman"/>
-        <a:font script="Uigh" typeface="Microsoft Uighur"/>
-        <a:font script="Geor" typeface="Sylfaen"/>
-      </a:majorFont>
-      <a:minorFont>
-        <a:latin typeface="Arial"/>
-        <a:ea typeface=""/>
-        <a:cs typeface=""/>
-        <a:font script="Jpan" typeface="ＭＳ Ｐゴシック"/>
-        <a:font script="Hang" typeface="맑은 고딕"/>
-        <a:font script="Hans" typeface="宋体"/>
-        <a:font script="Hant" typeface="新細明體"/>
-        <a:font script="Arab" typeface="Arial"/>
-        <a:font script="Hebr" typeface="Arial"/>
-        <a:font script="Thai" typeface="Cordia New"/>
-        <a:font script="Ethi" typeface="Nyala"/>
-        <a:font script="Beng" typeface="Vrinda"/>
-        <a:font script="Gujr" typeface="Shruti"/>
-        <a:font script="Khmr" typeface="DaunPenh"/>
-        <a:font script="Knda" typeface="Tunga"/>
-        <a:font script="Guru" typeface="Raavi"/>
-        <a:font script="Cans" typeface="Euphemia"/>
-        <a:font script="Cher" typeface="Plantagenet Cherokee"/>
-        <a:font script="Yiii" typeface="Microsoft Yi Baiti"/>
-        <a:font script="Tibt" typeface="Microsoft Himalaya"/>
-        <a:font script="Thaa" typeface="MV Boli"/>
-        <a:font script="Deva" typeface="Mangal"/>
-        <a:font script="Telu" typeface="Gautami"/>
-        <a:font script="Taml" typeface="Latha"/>
-        <a:font script="Syrc" typeface="Estrangelo Edessa"/>
-        <a:font script="Orya" typeface="Kalinga"/>
-        <a:font script="Mlym" typeface="Kartika"/>
-        <a:font script="Laoo" typeface="DokChampa"/>
-        <a:font script="Sinh" typeface="Iskoola Pota"/>
-        <a:font script="Mong" typeface="Mongolian Baiti"/>
-        <a:font script="Viet" typeface="Arial"/>
-        <a:font script="Uigh" typeface="Microsoft Uighur"/>
-        <a:font script="Geor" typeface="Sylfaen"/>
-      </a:minorFont>
-    </a:fontScheme>
-    <a:fmtScheme name="Office">
-      <a:fillStyleLst>
-        <a:solidFill>
-          <a:schemeClr val="phClr"/>
-        </a:solidFill>
-        <a:gradFill rotWithShape="1">
-          <a:gsLst>
-            <a:gs pos="0">
-              <a:schemeClr val="phClr">
-                <a:tint val="50000"/>
-                <a:satMod val="300000"/>
-              </a:schemeClr>
-            </a:gs>
-            <a:gs pos="35000">
-              <a:schemeClr val="phClr">
-                <a:tint val="37000"/>
-                <a:satMod val="300000"/>
-              </a:schemeClr>
-            </a:gs>
-            <a:gs pos="100000">
-              <a:schemeClr val="phClr">
-                <a:tint val="15000"/>
-                <a:satMod val="350000"/>
-              </a:schemeClr>
-            </a:gs>
-          </a:gsLst>
-          <a:lin ang="16200000" scaled="1"/>
-        </a:gradFill>
-        <a:gradFill rotWithShape="1">
-          <a:gsLst>
-            <a:gs pos="0">
-              <a:schemeClr val="phClr">
-                <a:tint val="100000"/>
-                <a:shade val="100000"/>
-                <a:satMod val="130000"/>
-              </a:schemeClr>
-            </a:gs>
-            <a:gs pos="100000">
-              <a:schemeClr val="phClr">
-                <a:tint val="50000"/>
-                <a:shade val="100000"/>
-                <a:satMod val="350000"/>
-              </a:schemeClr>
-            </a:gs>
-          </a:gsLst>
-          <a:lin ang="16200000" scaled="0"/>
-        </a:gradFill>
-      </a:fillStyleLst>
-      <a:lnStyleLst>
-        <a:ln w="9525" cap="flat" cmpd="sng" algn="ctr">
-          <a:solidFill>
-            <a:schemeClr val="phClr">
-              <a:shade val="95000"/>
-              <a:satMod val="105000"/>
-            </a:schemeClr>
-          </a:solidFill>
-          <a:prstDash val="solid"/>
-        </a:ln>
-        <a:ln w="25400" cap="flat" cmpd="sng" algn="ctr">
-          <a:solidFill>
-            <a:schemeClr val="phClr"/>
-          </a:solidFill>
-          <a:prstDash val="solid"/>
-        </a:ln>
-        <a:ln w="38100" cap="flat" cmpd="sng" algn="ctr">
-          <a:solidFill>
-            <a:schemeClr val="phClr"/>
-          </a:solidFill>
-          <a:prstDash val="solid"/>
-        </a:ln>
-      </a:lnStyleLst>
-      <a:effectStyleLst>
-        <a:effectStyle>
-          <a:effectLst>
-            <a:outerShdw blurRad="40000" dist="20000" dir="5400000" rotWithShape="0">
-              <a:srgbClr val="000000">
-                <a:alpha val="38000"/>
-              </a:srgbClr>
-            </a:outerShdw>
-          </a:effectLst>
-        </a:effectStyle>
-        <a:effectStyle>
-          <a:effectLst>
-            <a:outerShdw blurRad="40000" dist="23000" dir="5400000" rotWithShape="0">
-              <a:srgbClr val="000000">
-                <a:alpha val="35000"/>
-              </a:srgbClr>
-            </a:outerShdw>
-          </a:effectLst>
-        </a:effectStyle>
-        <a:effectStyle>
-          <a:effectLst>
-            <a:outerShdw blurRad="40000" dist="23000" dir="5400000" rotWithShape="0">
-              <a:srgbClr val="000000">
-                <a:alpha val="35000"/>
-              </a:srgbClr>
-            </a:outerShdw>
-          </a:effectLst>
-          <a:scene3d>
-            <a:camera prst="orthographicFront">
-              <a:rot lat="0" lon="0" rev="0"/>
-            </a:camera>
-            <a:lightRig rig="threePt" dir="t">
-              <a:rot lat="0" lon="0" rev="1200000"/>
-            </a:lightRig>
-          </a:scene3d>
-          <a:sp3d>
-            <a:bevelT w="63500" h="25400"/>
-          </a:sp3d>
-        </a:effectStyle>
-      </a:effectStyleLst>
-      <a:bgFillStyleLst>
-        <a:solidFill>
-          <a:schemeClr val="phClr"/>
-        </a:solidFill>
-        <a:gradFill rotWithShape="1">
-          <a:gsLst>
-            <a:gs pos="0">
-              <a:schemeClr val="phClr">
-                <a:tint val="40000"/>
-                <a:satMod val="350000"/>
-              </a:schemeClr>
-            </a:gs>
-            <a:gs pos="40000">
-              <a:schemeClr val="phClr">
-                <a:tint val="45000"/>
-                <a:shade val="99000"/>
-                <a:satMod val="350000"/>
-              </a:schemeClr>
-            </a:gs>
-            <a:gs pos="100000">
-              <a:schemeClr val="phClr">
-                <a:shade val="20000"/>
-                <a:satMod val="255000"/>
-              </a:schemeClr>
-            </a:gs>
-          </a:gsLst>
-          <a:path path="circle">
-            <a:fillToRect l="50000" t="-80000" r="50000" b="180000"/>
-          </a:path>
-        </a:gradFill>
-        <a:gradFill rotWithShape="1">
-          <a:gsLst>
-            <a:gs pos="0">
-              <a:schemeClr val="phClr">
-                <a:tint val="80000"/>
-                <a:satMod val="300000"/>
-              </a:schemeClr>
-            </a:gs>
-            <a:gs pos="100000">
-              <a:schemeClr val="phClr">
-                <a:shade val="30000"/>
-                <a:satMod val="200000"/>
-              </a:schemeClr>
-            </a:gs>
-          </a:gsLst>
-          <a:path path="circle">
-            <a:fillToRect l="50000" t="50000" r="50000" b="50000"/>
-          </a:path>
-        </a:gradFill>
-      </a:bgFillStyleLst>
-    </a:fmtScheme>
-  </a:themeElements>
-</a:theme>
 </file>
--- a/kaplan_job_talk.pptx
+++ b/kaplan_job_talk.pptx
@@ -928,7 +928,7 @@
       </p:grpSpPr>
       <p:sp>
         <p:nvSpPr>
-          <p:cNvPr id="125" name="Google Shape;125;g4cfd5c22f6_0_307:notes"/>
+          <p:cNvPr id="125" name="Google Shape;125;g5237e6388d_0_0:notes"/>
           <p:cNvSpPr/>
           <p:nvPr>
             <p:ph idx="2" type="sldImg"/>
@@ -963,7 +963,7 @@
       </p:sp>
       <p:sp>
         <p:nvSpPr>
-          <p:cNvPr id="126" name="Google Shape;126;g4cfd5c22f6_0_307:notes"/>
+          <p:cNvPr id="126" name="Google Shape;126;g5237e6388d_0_0:notes"/>
           <p:cNvSpPr txBox="1"/>
           <p:nvPr>
             <p:ph idx="1" type="body"/>
@@ -995,7 +995,7 @@
             </a:pPr>
             <a:r>
               <a:rPr lang="en"/>
-              <a:t>Sex options </a:t>
+              <a:t>Example of default result</a:t>
             </a:r>
             <a:endParaRPr/>
           </a:p>
@@ -2245,7 +2245,7 @@
       </p:grpSpPr>
       <p:sp>
         <p:nvSpPr>
-          <p:cNvPr id="216" name="Google Shape;216;g4e2186afac_0_156:notes"/>
+          <p:cNvPr id="216" name="Google Shape;216;g5237e6388d_0_5:notes"/>
           <p:cNvSpPr/>
           <p:nvPr>
             <p:ph idx="2" type="sldImg"/>
@@ -2280,7 +2280,7 @@
       </p:sp>
       <p:sp>
         <p:nvSpPr>
-          <p:cNvPr id="217" name="Google Shape;217;g4e2186afac_0_156:notes"/>
+          <p:cNvPr id="217" name="Google Shape;217;g5237e6388d_0_5:notes"/>
           <p:cNvSpPr txBox="1"/>
           <p:nvPr>
             <p:ph idx="1" type="body"/>
@@ -10032,18 +10032,17 @@
           <p:cNvPicPr preferRelativeResize="0"/>
           <p:nvPr/>
         </p:nvPicPr>
-        <p:blipFill>
+        <p:blipFill rotWithShape="1">
           <a:blip r:embed="rId3">
             <a:alphaModFix/>
           </a:blip>
-          <a:stretch>
-            <a:fillRect/>
-          </a:stretch>
+          <a:srcRect b="690" l="0" r="0" t="690"/>
+          <a:stretch/>
         </p:blipFill>
         <p:spPr>
           <a:xfrm>
             <a:off x="152400" y="417250"/>
-            <a:ext cx="8839200" cy="4309008"/>
+            <a:ext cx="8839201" cy="4309007"/>
           </a:xfrm>
           <a:prstGeom prst="rect">
             <a:avLst/>
@@ -10993,7 +10992,7 @@
                   <a:srgbClr val="999999"/>
                 </a:solidFill>
               </a:rPr>
-              <a:t>Police arrest people. Some arrested people end up in prison.</a:t>
+              <a:t>Police arrest people, some arrested people end up in prison.</a:t>
             </a:r>
             <a:endParaRPr sz="2000">
               <a:solidFill>
@@ -13385,7 +13384,7 @@
             <a:tbl>
               <a:tblPr>
                 <a:noFill/>
-                <a:tableStyleId>{01F249DD-FF95-4985-A3F6-A34E11387DFB}</a:tableStyleId>
+                <a:tableStyleId>{30DA677E-865E-4131-833F-9B0D3D506E07}</a:tableStyleId>
               </a:tblPr>
               <a:tblGrid>
                 <a:gridCol w="3875650"/>
@@ -13544,7 +13543,7 @@
                             <a:srgbClr val="FFFFFF"/>
                           </a:solidFill>
                         </a:rPr>
-                        <a:t>774,740</a:t>
+                        <a:t>775,000</a:t>
                       </a:r>
                       <a:endParaRPr sz="2200">
                         <a:solidFill>
@@ -13640,7 +13639,7 @@
                             <a:srgbClr val="FFFFFF"/>
                           </a:solidFill>
                         </a:rPr>
-                        <a:t>11,001,461</a:t>
+                        <a:t>11,001,000</a:t>
                       </a:r>
                       <a:endParaRPr sz="2200">
                         <a:solidFill>
@@ -13736,7 +13735,7 @@
                             <a:srgbClr val="FFFFFF"/>
                           </a:solidFill>
                         </a:rPr>
-                        <a:t>502,174</a:t>
+                        <a:t>502,000</a:t>
                       </a:r>
                       <a:endParaRPr sz="2200">
                         <a:solidFill>
@@ -13832,7 +13831,7 @@
                             <a:srgbClr val="FFFFFF"/>
                           </a:solidFill>
                         </a:rPr>
-                        <a:t>1,508,597</a:t>
+                        <a:t>1,509,000</a:t>
                       </a:r>
                       <a:endParaRPr sz="2200">
                         <a:solidFill>
@@ -13928,7 +13927,7 @@
                             <a:srgbClr val="FFFFFF"/>
                           </a:solidFill>
                         </a:rPr>
-                        <a:t>572,292</a:t>
+                        <a:t>572,000</a:t>
                       </a:r>
                       <a:endParaRPr sz="2200">
                         <a:solidFill>
@@ -14139,7 +14138,7 @@
             <a:tbl>
               <a:tblPr>
                 <a:noFill/>
-                <a:tableStyleId>{01F249DD-FF95-4985-A3F6-A34E11387DFB}</a:tableStyleId>
+                <a:tableStyleId>{30DA677E-865E-4131-833F-9B0D3D506E07}</a:tableStyleId>
               </a:tblPr>
               <a:tblGrid>
                 <a:gridCol w="3875650"/>
@@ -14206,7 +14205,17 @@
                       </a:endParaRPr>
                     </a:p>
                   </a:txBody>
-                  <a:tcPr marT="91425" marB="91425" marR="91425" marL="91425"/>
+                  <a:tcPr marT="91425" marB="91425" marR="91425" marL="91425">
+                    <a:lnB cap="flat" cmpd="sng" w="9525">
+                      <a:solidFill>
+                        <a:srgbClr val="9E9E9E"/>
+                      </a:solidFill>
+                      <a:prstDash val="solid"/>
+                      <a:round/>
+                      <a:headEnd len="sm" w="sm" type="none"/>
+                      <a:tailEnd len="sm" w="sm" type="none"/>
+                    </a:lnB>
+                  </a:tcPr>
                 </a:tc>
                 <a:tc>
                   <a:txBody>
@@ -14274,7 +14283,17 @@
                       </a:endParaRPr>
                     </a:p>
                   </a:txBody>
-                  <a:tcPr marT="91425" marB="91425" marR="91425" marL="91425"/>
+                  <a:tcPr marT="91425" marB="91425" marR="91425" marL="91425">
+                    <a:lnR cap="flat" cmpd="sng" w="9525">
+                      <a:solidFill>
+                        <a:srgbClr val="9E9E9E"/>
+                      </a:solidFill>
+                      <a:prstDash val="solid"/>
+                      <a:round/>
+                      <a:headEnd len="sm" w="sm" type="none"/>
+                      <a:tailEnd len="sm" w="sm" type="none"/>
+                    </a:lnR>
+                  </a:tcPr>
                 </a:tc>
                 <a:tc>
                   <a:txBody>
@@ -14298,7 +14317,7 @@
                             <a:srgbClr val="FFFFFF"/>
                           </a:solidFill>
                         </a:rPr>
-                        <a:t>774,740</a:t>
+                        <a:t>775,000</a:t>
                       </a:r>
                       <a:endParaRPr sz="2200">
                         <a:solidFill>
@@ -14307,7 +14326,44 @@
                       </a:endParaRPr>
                     </a:p>
                   </a:txBody>
-                  <a:tcPr marT="91425" marB="91425" marR="91425" marL="91425"/>
+                  <a:tcPr marT="91425" marB="91425" marR="91425" marL="91425">
+                    <a:lnL cap="flat" cmpd="sng" w="9525">
+                      <a:solidFill>
+                        <a:srgbClr val="9E9E9E"/>
+                      </a:solidFill>
+                      <a:prstDash val="solid"/>
+                      <a:round/>
+                      <a:headEnd len="sm" w="sm" type="none"/>
+                      <a:tailEnd len="sm" w="sm" type="none"/>
+                    </a:lnL>
+                    <a:lnR cap="flat" cmpd="sng" w="9525">
+                      <a:solidFill>
+                        <a:srgbClr val="9E9E9E"/>
+                      </a:solidFill>
+                      <a:prstDash val="solid"/>
+                      <a:round/>
+                      <a:headEnd len="sm" w="sm" type="none"/>
+                      <a:tailEnd len="sm" w="sm" type="none"/>
+                    </a:lnR>
+                    <a:lnT cap="flat" cmpd="sng" w="9525">
+                      <a:solidFill>
+                        <a:srgbClr val="9E9E9E"/>
+                      </a:solidFill>
+                      <a:prstDash val="solid"/>
+                      <a:round/>
+                      <a:headEnd len="sm" w="sm" type="none"/>
+                      <a:tailEnd len="sm" w="sm" type="none"/>
+                    </a:lnT>
+                    <a:lnB cap="flat" cmpd="sng" w="9525">
+                      <a:solidFill>
+                        <a:srgbClr val="9E9E9E"/>
+                      </a:solidFill>
+                      <a:prstDash val="solid"/>
+                      <a:round/>
+                      <a:headEnd len="sm" w="sm" type="none"/>
+                      <a:tailEnd len="sm" w="sm" type="none"/>
+                    </a:lnB>
+                  </a:tcPr>
                 </a:tc>
                 <a:tc>
                   <a:txBody>
@@ -14340,7 +14396,17 @@
                       </a:endParaRPr>
                     </a:p>
                   </a:txBody>
-                  <a:tcPr marT="91425" marB="91425" marR="91425" marL="91425"/>
+                  <a:tcPr marT="91425" marB="91425" marR="91425" marL="91425">
+                    <a:lnL cap="flat" cmpd="sng" w="9525">
+                      <a:solidFill>
+                        <a:srgbClr val="9E9E9E"/>
+                      </a:solidFill>
+                      <a:prstDash val="solid"/>
+                      <a:round/>
+                      <a:headEnd len="sm" w="sm" type="none"/>
+                      <a:tailEnd len="sm" w="sm" type="none"/>
+                    </a:lnL>
+                  </a:tcPr>
                 </a:tc>
               </a:tr>
               <a:tr h="421750">
@@ -14375,7 +14441,17 @@
                       </a:endParaRPr>
                     </a:p>
                   </a:txBody>
-                  <a:tcPr marT="91425" marB="91425" marR="91425" marL="91425"/>
+                  <a:tcPr marT="91425" marB="91425" marR="91425" marL="91425">
+                    <a:lnR cap="flat" cmpd="sng" w="9525">
+                      <a:solidFill>
+                        <a:srgbClr val="9E9E9E"/>
+                      </a:solidFill>
+                      <a:prstDash val="solid"/>
+                      <a:round/>
+                      <a:headEnd len="sm" w="sm" type="none"/>
+                      <a:tailEnd len="sm" w="sm" type="none"/>
+                    </a:lnR>
+                  </a:tcPr>
                 </a:tc>
                 <a:tc>
                   <a:txBody>
@@ -14399,15 +14475,7 @@
                             <a:srgbClr val="FFFFFF"/>
                           </a:solidFill>
                         </a:rPr>
-                        <a:t>11,001,</a:t>
-                      </a:r>
-                      <a:r>
-                        <a:rPr lang="en" sz="2200">
-                          <a:solidFill>
-                            <a:srgbClr val="FFFFFF"/>
-                          </a:solidFill>
-                        </a:rPr>
-                        <a:t>461</a:t>
+                        <a:t>11,001,000</a:t>
                       </a:r>
                       <a:endParaRPr sz="2200">
                         <a:solidFill>
@@ -14416,7 +14484,44 @@
                       </a:endParaRPr>
                     </a:p>
                   </a:txBody>
-                  <a:tcPr marT="91425" marB="91425" marR="91425" marL="91425"/>
+                  <a:tcPr marT="91425" marB="91425" marR="91425" marL="91425">
+                    <a:lnL cap="flat" cmpd="sng" w="9525">
+                      <a:solidFill>
+                        <a:srgbClr val="9E9E9E"/>
+                      </a:solidFill>
+                      <a:prstDash val="solid"/>
+                      <a:round/>
+                      <a:headEnd len="sm" w="sm" type="none"/>
+                      <a:tailEnd len="sm" w="sm" type="none"/>
+                    </a:lnL>
+                    <a:lnR cap="flat" cmpd="sng" w="9525">
+                      <a:solidFill>
+                        <a:srgbClr val="9E9E9E"/>
+                      </a:solidFill>
+                      <a:prstDash val="solid"/>
+                      <a:round/>
+                      <a:headEnd len="sm" w="sm" type="none"/>
+                      <a:tailEnd len="sm" w="sm" type="none"/>
+                    </a:lnR>
+                    <a:lnT cap="flat" cmpd="sng" w="9525">
+                      <a:solidFill>
+                        <a:srgbClr val="9E9E9E"/>
+                      </a:solidFill>
+                      <a:prstDash val="solid"/>
+                      <a:round/>
+                      <a:headEnd len="sm" w="sm" type="none"/>
+                      <a:tailEnd len="sm" w="sm" type="none"/>
+                    </a:lnT>
+                    <a:lnB cap="flat" cmpd="sng" w="9525">
+                      <a:solidFill>
+                        <a:srgbClr val="9E9E9E"/>
+                      </a:solidFill>
+                      <a:prstDash val="solid"/>
+                      <a:round/>
+                      <a:headEnd len="sm" w="sm" type="none"/>
+                      <a:tailEnd len="sm" w="sm" type="none"/>
+                    </a:lnB>
+                  </a:tcPr>
                 </a:tc>
                 <a:tc>
                   <a:txBody>
@@ -14449,7 +14554,17 @@
                       </a:endParaRPr>
                     </a:p>
                   </a:txBody>
-                  <a:tcPr marT="91425" marB="91425" marR="91425" marL="91425"/>
+                  <a:tcPr marT="91425" marB="91425" marR="91425" marL="91425">
+                    <a:lnL cap="flat" cmpd="sng" w="9525">
+                      <a:solidFill>
+                        <a:srgbClr val="9E9E9E"/>
+                      </a:solidFill>
+                      <a:prstDash val="solid"/>
+                      <a:round/>
+                      <a:headEnd len="sm" w="sm" type="none"/>
+                      <a:tailEnd len="sm" w="sm" type="none"/>
+                    </a:lnL>
+                  </a:tcPr>
                 </a:tc>
               </a:tr>
               <a:tr h="421750">
@@ -14484,7 +14599,17 @@
                       </a:endParaRPr>
                     </a:p>
                   </a:txBody>
-                  <a:tcPr marT="91425" marB="91425" marR="91425" marL="91425"/>
+                  <a:tcPr marT="91425" marB="91425" marR="91425" marL="91425">
+                    <a:lnR cap="flat" cmpd="sng" w="9525">
+                      <a:solidFill>
+                        <a:srgbClr val="9E9E9E"/>
+                      </a:solidFill>
+                      <a:prstDash val="solid"/>
+                      <a:round/>
+                      <a:headEnd len="sm" w="sm" type="none"/>
+                      <a:tailEnd len="sm" w="sm" type="none"/>
+                    </a:lnR>
+                  </a:tcPr>
                 </a:tc>
                 <a:tc>
                   <a:txBody>
@@ -14508,15 +14633,7 @@
                             <a:srgbClr val="FFFFFF"/>
                           </a:solidFill>
                         </a:rPr>
-                        <a:t>502,</a:t>
-                      </a:r>
-                      <a:r>
-                        <a:rPr lang="en" sz="2200">
-                          <a:solidFill>
-                            <a:srgbClr val="FFFFFF"/>
-                          </a:solidFill>
-                        </a:rPr>
-                        <a:t>174</a:t>
+                        <a:t>502,000</a:t>
                       </a:r>
                       <a:endParaRPr sz="2200">
                         <a:solidFill>
@@ -14525,7 +14642,44 @@
                       </a:endParaRPr>
                     </a:p>
                   </a:txBody>
-                  <a:tcPr marT="91425" marB="91425" marR="91425" marL="91425"/>
+                  <a:tcPr marT="91425" marB="91425" marR="91425" marL="91425">
+                    <a:lnL cap="flat" cmpd="sng" w="9525">
+                      <a:solidFill>
+                        <a:srgbClr val="9E9E9E"/>
+                      </a:solidFill>
+                      <a:prstDash val="solid"/>
+                      <a:round/>
+                      <a:headEnd len="sm" w="sm" type="none"/>
+                      <a:tailEnd len="sm" w="sm" type="none"/>
+                    </a:lnL>
+                    <a:lnR cap="flat" cmpd="sng" w="9525">
+                      <a:solidFill>
+                        <a:srgbClr val="9E9E9E"/>
+                      </a:solidFill>
+                      <a:prstDash val="solid"/>
+                      <a:round/>
+                      <a:headEnd len="sm" w="sm" type="none"/>
+                      <a:tailEnd len="sm" w="sm" type="none"/>
+                    </a:lnR>
+                    <a:lnT cap="flat" cmpd="sng" w="9525">
+                      <a:solidFill>
+                        <a:srgbClr val="9E9E9E"/>
+                      </a:solidFill>
+                      <a:prstDash val="solid"/>
+                      <a:round/>
+                      <a:headEnd len="sm" w="sm" type="none"/>
+                      <a:tailEnd len="sm" w="sm" type="none"/>
+                    </a:lnT>
+                    <a:lnB cap="flat" cmpd="sng" w="9525">
+                      <a:solidFill>
+                        <a:srgbClr val="9E9E9E"/>
+                      </a:solidFill>
+                      <a:prstDash val="solid"/>
+                      <a:round/>
+                      <a:headEnd len="sm" w="sm" type="none"/>
+                      <a:tailEnd len="sm" w="sm" type="none"/>
+                    </a:lnB>
+                  </a:tcPr>
                 </a:tc>
                 <a:tc>
                   <a:txBody>
@@ -14558,7 +14712,17 @@
                       </a:endParaRPr>
                     </a:p>
                   </a:txBody>
-                  <a:tcPr marT="91425" marB="91425" marR="91425" marL="91425"/>
+                  <a:tcPr marT="91425" marB="91425" marR="91425" marL="91425">
+                    <a:lnL cap="flat" cmpd="sng" w="9525">
+                      <a:solidFill>
+                        <a:srgbClr val="9E9E9E"/>
+                      </a:solidFill>
+                      <a:prstDash val="solid"/>
+                      <a:round/>
+                      <a:headEnd len="sm" w="sm" type="none"/>
+                      <a:tailEnd len="sm" w="sm" type="none"/>
+                    </a:lnL>
+                  </a:tcPr>
                 </a:tc>
               </a:tr>
               <a:tr h="421750">
@@ -14593,7 +14757,17 @@
                       </a:endParaRPr>
                     </a:p>
                   </a:txBody>
-                  <a:tcPr marT="91425" marB="91425" marR="91425" marL="91425"/>
+                  <a:tcPr marT="91425" marB="91425" marR="91425" marL="91425">
+                    <a:lnR cap="flat" cmpd="sng" w="9525">
+                      <a:solidFill>
+                        <a:srgbClr val="9E9E9E"/>
+                      </a:solidFill>
+                      <a:prstDash val="solid"/>
+                      <a:round/>
+                      <a:headEnd len="sm" w="sm" type="none"/>
+                      <a:tailEnd len="sm" w="sm" type="none"/>
+                    </a:lnR>
+                  </a:tcPr>
                 </a:tc>
                 <a:tc>
                   <a:txBody>
@@ -14617,15 +14791,7 @@
                             <a:srgbClr val="FFFFFF"/>
                           </a:solidFill>
                         </a:rPr>
-                        <a:t>1,508,</a:t>
-                      </a:r>
-                      <a:r>
-                        <a:rPr lang="en" sz="2200">
-                          <a:solidFill>
-                            <a:srgbClr val="FFFFFF"/>
-                          </a:solidFill>
-                        </a:rPr>
-                        <a:t>597</a:t>
+                        <a:t>1,509,000</a:t>
                       </a:r>
                       <a:endParaRPr sz="2200">
                         <a:solidFill>
@@ -14634,7 +14800,44 @@
                       </a:endParaRPr>
                     </a:p>
                   </a:txBody>
-                  <a:tcPr marT="91425" marB="91425" marR="91425" marL="91425"/>
+                  <a:tcPr marT="91425" marB="91425" marR="91425" marL="91425">
+                    <a:lnL cap="flat" cmpd="sng" w="9525">
+                      <a:solidFill>
+                        <a:srgbClr val="9E9E9E"/>
+                      </a:solidFill>
+                      <a:prstDash val="solid"/>
+                      <a:round/>
+                      <a:headEnd len="sm" w="sm" type="none"/>
+                      <a:tailEnd len="sm" w="sm" type="none"/>
+                    </a:lnL>
+                    <a:lnR cap="flat" cmpd="sng" w="9525">
+                      <a:solidFill>
+                        <a:srgbClr val="9E9E9E"/>
+                      </a:solidFill>
+                      <a:prstDash val="solid"/>
+                      <a:round/>
+                      <a:headEnd len="sm" w="sm" type="none"/>
+                      <a:tailEnd len="sm" w="sm" type="none"/>
+                    </a:lnR>
+                    <a:lnT cap="flat" cmpd="sng" w="9525">
+                      <a:solidFill>
+                        <a:srgbClr val="9E9E9E"/>
+                      </a:solidFill>
+                      <a:prstDash val="solid"/>
+                      <a:round/>
+                      <a:headEnd len="sm" w="sm" type="none"/>
+                      <a:tailEnd len="sm" w="sm" type="none"/>
+                    </a:lnT>
+                    <a:lnB cap="flat" cmpd="sng" w="9525">
+                      <a:solidFill>
+                        <a:srgbClr val="9E9E9E"/>
+                      </a:solidFill>
+                      <a:prstDash val="solid"/>
+                      <a:round/>
+                      <a:headEnd len="sm" w="sm" type="none"/>
+                      <a:tailEnd len="sm" w="sm" type="none"/>
+                    </a:lnB>
+                  </a:tcPr>
                 </a:tc>
                 <a:tc>
                   <a:txBody>
@@ -14667,7 +14870,17 @@
                       </a:endParaRPr>
                     </a:p>
                   </a:txBody>
-                  <a:tcPr marT="91425" marB="91425" marR="91425" marL="91425"/>
+                  <a:tcPr marT="91425" marB="91425" marR="91425" marL="91425">
+                    <a:lnL cap="flat" cmpd="sng" w="9525">
+                      <a:solidFill>
+                        <a:srgbClr val="9E9E9E"/>
+                      </a:solidFill>
+                      <a:prstDash val="solid"/>
+                      <a:round/>
+                      <a:headEnd len="sm" w="sm" type="none"/>
+                      <a:tailEnd len="sm" w="sm" type="none"/>
+                    </a:lnL>
+                  </a:tcPr>
                 </a:tc>
               </a:tr>
               <a:tr h="421750">
@@ -14702,7 +14915,17 @@
                       </a:endParaRPr>
                     </a:p>
                   </a:txBody>
-                  <a:tcPr marT="91425" marB="91425" marR="91425" marL="91425"/>
+                  <a:tcPr marT="91425" marB="91425" marR="91425" marL="91425">
+                    <a:lnR cap="flat" cmpd="sng" w="9525">
+                      <a:solidFill>
+                        <a:srgbClr val="9E9E9E"/>
+                      </a:solidFill>
+                      <a:prstDash val="solid"/>
+                      <a:round/>
+                      <a:headEnd len="sm" w="sm" type="none"/>
+                      <a:tailEnd len="sm" w="sm" type="none"/>
+                    </a:lnR>
+                  </a:tcPr>
                 </a:tc>
                 <a:tc>
                   <a:txBody>
@@ -14726,7 +14949,7 @@
                             <a:srgbClr val="FFFFFF"/>
                           </a:solidFill>
                         </a:rPr>
-                        <a:t>572,292</a:t>
+                        <a:t>572,000</a:t>
                       </a:r>
                       <a:endParaRPr sz="2200">
                         <a:solidFill>
@@ -14735,7 +14958,44 @@
                       </a:endParaRPr>
                     </a:p>
                   </a:txBody>
-                  <a:tcPr marT="91425" marB="91425" marR="91425" marL="91425"/>
+                  <a:tcPr marT="91425" marB="91425" marR="91425" marL="91425">
+                    <a:lnL cap="flat" cmpd="sng" w="9525">
+                      <a:solidFill>
+                        <a:srgbClr val="9E9E9E"/>
+                      </a:solidFill>
+                      <a:prstDash val="solid"/>
+                      <a:round/>
+                      <a:headEnd len="sm" w="sm" type="none"/>
+                      <a:tailEnd len="sm" w="sm" type="none"/>
+                    </a:lnL>
+                    <a:lnR cap="flat" cmpd="sng" w="9525">
+                      <a:solidFill>
+                        <a:srgbClr val="9E9E9E"/>
+                      </a:solidFill>
+                      <a:prstDash val="solid"/>
+                      <a:round/>
+                      <a:headEnd len="sm" w="sm" type="none"/>
+                      <a:tailEnd len="sm" w="sm" type="none"/>
+                    </a:lnR>
+                    <a:lnT cap="flat" cmpd="sng" w="9525">
+                      <a:solidFill>
+                        <a:srgbClr val="9E9E9E"/>
+                      </a:solidFill>
+                      <a:prstDash val="solid"/>
+                      <a:round/>
+                      <a:headEnd len="sm" w="sm" type="none"/>
+                      <a:tailEnd len="sm" w="sm" type="none"/>
+                    </a:lnT>
+                    <a:lnB cap="flat" cmpd="sng" w="9525">
+                      <a:solidFill>
+                        <a:srgbClr val="9E9E9E"/>
+                      </a:solidFill>
+                      <a:prstDash val="solid"/>
+                      <a:round/>
+                      <a:headEnd len="sm" w="sm" type="none"/>
+                      <a:tailEnd len="sm" w="sm" type="none"/>
+                    </a:lnB>
+                  </a:tcPr>
                 </a:tc>
                 <a:tc>
                   <a:txBody>
@@ -14768,7 +15028,17 @@
                       </a:endParaRPr>
                     </a:p>
                   </a:txBody>
-                  <a:tcPr marT="91425" marB="91425" marR="91425" marL="91425"/>
+                  <a:tcPr marT="91425" marB="91425" marR="91425" marL="91425">
+                    <a:lnL cap="flat" cmpd="sng" w="9525">
+                      <a:solidFill>
+                        <a:srgbClr val="9E9E9E"/>
+                      </a:solidFill>
+                      <a:prstDash val="solid"/>
+                      <a:round/>
+                      <a:headEnd len="sm" w="sm" type="none"/>
+                      <a:tailEnd len="sm" w="sm" type="none"/>
+                    </a:lnL>
+                  </a:tcPr>
                 </a:tc>
               </a:tr>
             </a:tbl>
@@ -14942,7 +15212,7 @@
             <a:tbl>
               <a:tblPr>
                 <a:noFill/>
-                <a:tableStyleId>{01F249DD-FF95-4985-A3F6-A34E11387DFB}</a:tableStyleId>
+                <a:tableStyleId>{30DA677E-865E-4131-833F-9B0D3D506E07}</a:tableStyleId>
               </a:tblPr>
               <a:tblGrid>
                 <a:gridCol w="3875650"/>
@@ -15101,7 +15371,7 @@
                             <a:srgbClr val="999999"/>
                           </a:solidFill>
                         </a:rPr>
-                        <a:t>774,740</a:t>
+                        <a:t>775,000</a:t>
                       </a:r>
                       <a:endParaRPr sz="2200">
                         <a:solidFill>
@@ -15202,7 +15472,7 @@
                             <a:srgbClr val="FF9900"/>
                           </a:solidFill>
                         </a:rPr>
-                        <a:t>11,001,461</a:t>
+                        <a:t>11,001,000</a:t>
                       </a:r>
                       <a:endParaRPr sz="2200">
                         <a:solidFill>
@@ -15303,7 +15573,7 @@
                             <a:srgbClr val="999999"/>
                           </a:solidFill>
                         </a:rPr>
-                        <a:t>502,174</a:t>
+                        <a:t>502,000</a:t>
                       </a:r>
                       <a:endParaRPr sz="2200">
                         <a:solidFill>
@@ -15404,7 +15674,7 @@
                             <a:srgbClr val="999999"/>
                           </a:solidFill>
                         </a:rPr>
-                        <a:t>1,508,597</a:t>
+                        <a:t>1,509,000</a:t>
                       </a:r>
                       <a:endParaRPr sz="2200">
                         <a:solidFill>
@@ -15505,7 +15775,7 @@
                             <a:srgbClr val="FF9900"/>
                           </a:solidFill>
                         </a:rPr>
-                        <a:t>572,292</a:t>
+                        <a:t>572,000</a:t>
                       </a:r>
                       <a:endParaRPr sz="2200">
                         <a:solidFill>
@@ -15721,7 +15991,7 @@
             <a:tbl>
               <a:tblPr>
                 <a:noFill/>
-                <a:tableStyleId>{01F249DD-FF95-4985-A3F6-A34E11387DFB}</a:tableStyleId>
+                <a:tableStyleId>{30DA677E-865E-4131-833F-9B0D3D506E07}</a:tableStyleId>
               </a:tblPr>
               <a:tblGrid>
                 <a:gridCol w="1680225"/>
@@ -16436,7 +16706,7 @@
             <a:tbl>
               <a:tblPr>
                 <a:noFill/>
-                <a:tableStyleId>{01F249DD-FF95-4985-A3F6-A34E11387DFB}</a:tableStyleId>
+                <a:tableStyleId>{30DA677E-865E-4131-833F-9B0D3D506E07}</a:tableStyleId>
               </a:tblPr>
               <a:tblGrid>
                 <a:gridCol w="1680225"/>
@@ -17166,7 +17436,7 @@
             <a:tbl>
               <a:tblPr>
                 <a:noFill/>
-                <a:tableStyleId>{01F249DD-FF95-4985-A3F6-A34E11387DFB}</a:tableStyleId>
+                <a:tableStyleId>{30DA677E-865E-4131-833F-9B0D3D506E07}</a:tableStyleId>
               </a:tblPr>
               <a:tblGrid>
                 <a:gridCol w="1680225"/>
@@ -20193,7 +20463,7 @@
             <a:tbl>
               <a:tblPr>
                 <a:noFill/>
-                <a:tableStyleId>{01F249DD-FF95-4985-A3F6-A34E11387DFB}</a:tableStyleId>
+                <a:tableStyleId>{30DA677E-865E-4131-833F-9B0D3D506E07}</a:tableStyleId>
               </a:tblPr>
               <a:tblGrid>
                 <a:gridCol w="1828800"/>
@@ -21701,7 +21971,7 @@
             <a:tbl>
               <a:tblPr>
                 <a:noFill/>
-                <a:tableStyleId>{01F249DD-FF95-4985-A3F6-A34E11387DFB}</a:tableStyleId>
+                <a:tableStyleId>{30DA677E-865E-4131-833F-9B0D3D506E07}</a:tableStyleId>
               </a:tblPr>
               <a:tblGrid>
                 <a:gridCol w="1828800"/>
@@ -23209,7 +23479,7 @@
             <a:tbl>
               <a:tblPr>
                 <a:noFill/>
-                <a:tableStyleId>{01F249DD-FF95-4985-A3F6-A34E11387DFB}</a:tableStyleId>
+                <a:tableStyleId>{30DA677E-865E-4131-833F-9B0D3D506E07}</a:tableStyleId>
               </a:tblPr>
               <a:tblGrid>
                 <a:gridCol w="1828800"/>
@@ -24717,7 +24987,7 @@
             <a:tbl>
               <a:tblPr>
                 <a:noFill/>
-                <a:tableStyleId>{01F249DD-FF95-4985-A3F6-A34E11387DFB}</a:tableStyleId>
+                <a:tableStyleId>{30DA677E-865E-4131-833F-9B0D3D506E07}</a:tableStyleId>
               </a:tblPr>
               <a:tblGrid>
                 <a:gridCol w="1828800"/>
@@ -27350,7 +27620,7 @@
             <a:tbl>
               <a:tblPr>
                 <a:noFill/>
-                <a:tableStyleId>{01F249DD-FF95-4985-A3F6-A34E11387DFB}</a:tableStyleId>
+                <a:tableStyleId>{30DA677E-865E-4131-833F-9B0D3D506E07}</a:tableStyleId>
               </a:tblPr>
               <a:tblGrid>
                 <a:gridCol w="1828800"/>
@@ -30268,6 +30538,285 @@
 </file>
 
 <file path=ppt/theme/theme1.xml><?xml version="1.0" encoding="utf-8"?>
+<a:theme xmlns:a="http://schemas.openxmlformats.org/drawingml/2006/main" xmlns:r="http://schemas.openxmlformats.org/officeDocument/2006/relationships">
+  <a:themeElements>
+    <a:clrScheme name="Default">
+      <a:dk1>
+        <a:srgbClr val="000000"/>
+      </a:dk1>
+      <a:lt1>
+        <a:srgbClr val="FFFFFF"/>
+      </a:lt1>
+      <a:dk2>
+        <a:srgbClr val="158158"/>
+      </a:dk2>
+      <a:lt2>
+        <a:srgbClr val="F3F3F3"/>
+      </a:lt2>
+      <a:accent1>
+        <a:srgbClr val="058DC7"/>
+      </a:accent1>
+      <a:accent2>
+        <a:srgbClr val="50B432"/>
+      </a:accent2>
+      <a:accent3>
+        <a:srgbClr val="ED561B"/>
+      </a:accent3>
+      <a:accent4>
+        <a:srgbClr val="EDEF00"/>
+      </a:accent4>
+      <a:accent5>
+        <a:srgbClr val="24CBE5"/>
+      </a:accent5>
+      <a:accent6>
+        <a:srgbClr val="64E572"/>
+      </a:accent6>
+      <a:hlink>
+        <a:srgbClr val="2200CC"/>
+      </a:hlink>
+      <a:folHlink>
+        <a:srgbClr val="551A8B"/>
+      </a:folHlink>
+    </a:clrScheme>
+    <a:fontScheme name="Office">
+      <a:majorFont>
+        <a:latin typeface="Arial"/>
+        <a:ea typeface=""/>
+        <a:cs typeface=""/>
+        <a:font script="Jpan" typeface="ＭＳ Ｐゴシック"/>
+        <a:font script="Hang" typeface="맑은 고딕"/>
+        <a:font script="Hans" typeface="宋体"/>
+        <a:font script="Hant" typeface="新細明體"/>
+        <a:font script="Arab" typeface="Times New Roman"/>
+        <a:font script="Hebr" typeface="Times New Roman"/>
+        <a:font script="Thai" typeface="Angsana New"/>
+        <a:font script="Ethi" typeface="Nyala"/>
+        <a:font script="Beng" typeface="Vrinda"/>
+        <a:font script="Gujr" typeface="Shruti"/>
+        <a:font script="Khmr" typeface="MoolBoran"/>
+        <a:font script="Knda" typeface="Tunga"/>
+        <a:font script="Guru" typeface="Raavi"/>
+        <a:font script="Cans" typeface="Euphemia"/>
+        <a:font script="Cher" typeface="Plantagenet Cherokee"/>
+        <a:font script="Yiii" typeface="Microsoft Yi Baiti"/>
+        <a:font script="Tibt" typeface="Microsoft Himalaya"/>
+        <a:font script="Thaa" typeface="MV Boli"/>
+        <a:font script="Deva" typeface="Mangal"/>
+        <a:font script="Telu" typeface="Gautami"/>
+        <a:font script="Taml" typeface="Latha"/>
+        <a:font script="Syrc" typeface="Estrangelo Edessa"/>
+        <a:font script="Orya" typeface="Kalinga"/>
+        <a:font script="Mlym" typeface="Kartika"/>
+        <a:font script="Laoo" typeface="DokChampa"/>
+        <a:font script="Sinh" typeface="Iskoola Pota"/>
+        <a:font script="Mong" typeface="Mongolian Baiti"/>
+        <a:font script="Viet" typeface="Times New Roman"/>
+        <a:font script="Uigh" typeface="Microsoft Uighur"/>
+        <a:font script="Geor" typeface="Sylfaen"/>
+      </a:majorFont>
+      <a:minorFont>
+        <a:latin typeface="Arial"/>
+        <a:ea typeface=""/>
+        <a:cs typeface=""/>
+        <a:font script="Jpan" typeface="ＭＳ Ｐゴシック"/>
+        <a:font script="Hang" typeface="맑은 고딕"/>
+        <a:font script="Hans" typeface="宋体"/>
+        <a:font script="Hant" typeface="新細明體"/>
+        <a:font script="Arab" typeface="Arial"/>
+        <a:font script="Hebr" typeface="Arial"/>
+        <a:font script="Thai" typeface="Cordia New"/>
+        <a:font script="Ethi" typeface="Nyala"/>
+        <a:font script="Beng" typeface="Vrinda"/>
+        <a:font script="Gujr" typeface="Shruti"/>
+        <a:font script="Khmr" typeface="DaunPenh"/>
+        <a:font script="Knda" typeface="Tunga"/>
+        <a:font script="Guru" typeface="Raavi"/>
+        <a:font script="Cans" typeface="Euphemia"/>
+        <a:font script="Cher" typeface="Plantagenet Cherokee"/>
+        <a:font script="Yiii" typeface="Microsoft Yi Baiti"/>
+        <a:font script="Tibt" typeface="Microsoft Himalaya"/>
+        <a:font script="Thaa" typeface="MV Boli"/>
+        <a:font script="Deva" typeface="Mangal"/>
+        <a:font script="Telu" typeface="Gautami"/>
+        <a:font script="Taml" typeface="Latha"/>
+        <a:font script="Syrc" typeface="Estrangelo Edessa"/>
+        <a:font script="Orya" typeface="Kalinga"/>
+        <a:font script="Mlym" typeface="Kartika"/>
+        <a:font script="Laoo" typeface="DokChampa"/>
+        <a:font script="Sinh" typeface="Iskoola Pota"/>
+        <a:font script="Mong" typeface="Mongolian Baiti"/>
+        <a:font script="Viet" typeface="Arial"/>
+        <a:font script="Uigh" typeface="Microsoft Uighur"/>
+        <a:font script="Geor" typeface="Sylfaen"/>
+      </a:minorFont>
+    </a:fontScheme>
+    <a:fmtScheme name="Office">
+      <a:fillStyleLst>
+        <a:solidFill>
+          <a:schemeClr val="phClr"/>
+        </a:solidFill>
+        <a:gradFill rotWithShape="1">
+          <a:gsLst>
+            <a:gs pos="0">
+              <a:schemeClr val="phClr">
+                <a:tint val="50000"/>
+                <a:satMod val="300000"/>
+              </a:schemeClr>
+            </a:gs>
+            <a:gs pos="35000">
+              <a:schemeClr val="phClr">
+                <a:tint val="37000"/>
+                <a:satMod val="300000"/>
+              </a:schemeClr>
+            </a:gs>
+            <a:gs pos="100000">
+              <a:schemeClr val="phClr">
+                <a:tint val="15000"/>
+                <a:satMod val="350000"/>
+              </a:schemeClr>
+            </a:gs>
+          </a:gsLst>
+          <a:lin ang="16200000" scaled="1"/>
+        </a:gradFill>
+        <a:gradFill rotWithShape="1">
+          <a:gsLst>
+            <a:gs pos="0">
+              <a:schemeClr val="phClr">
+                <a:tint val="100000"/>
+                <a:shade val="100000"/>
+                <a:satMod val="130000"/>
+              </a:schemeClr>
+            </a:gs>
+            <a:gs pos="100000">
+              <a:schemeClr val="phClr">
+                <a:tint val="50000"/>
+                <a:shade val="100000"/>
+                <a:satMod val="350000"/>
+              </a:schemeClr>
+            </a:gs>
+          </a:gsLst>
+          <a:lin ang="16200000" scaled="0"/>
+        </a:gradFill>
+      </a:fillStyleLst>
+      <a:lnStyleLst>
+        <a:ln w="9525" cap="flat" cmpd="sng" algn="ctr">
+          <a:solidFill>
+            <a:schemeClr val="phClr">
+              <a:shade val="95000"/>
+              <a:satMod val="105000"/>
+            </a:schemeClr>
+          </a:solidFill>
+          <a:prstDash val="solid"/>
+        </a:ln>
+        <a:ln w="25400" cap="flat" cmpd="sng" algn="ctr">
+          <a:solidFill>
+            <a:schemeClr val="phClr"/>
+          </a:solidFill>
+          <a:prstDash val="solid"/>
+        </a:ln>
+        <a:ln w="38100" cap="flat" cmpd="sng" algn="ctr">
+          <a:solidFill>
+            <a:schemeClr val="phClr"/>
+          </a:solidFill>
+          <a:prstDash val="solid"/>
+        </a:ln>
+      </a:lnStyleLst>
+      <a:effectStyleLst>
+        <a:effectStyle>
+          <a:effectLst>
+            <a:outerShdw blurRad="40000" dist="20000" dir="5400000" rotWithShape="0">
+              <a:srgbClr val="000000">
+                <a:alpha val="38000"/>
+              </a:srgbClr>
+            </a:outerShdw>
+          </a:effectLst>
+        </a:effectStyle>
+        <a:effectStyle>
+          <a:effectLst>
+            <a:outerShdw blurRad="40000" dist="23000" dir="5400000" rotWithShape="0">
+              <a:srgbClr val="000000">
+                <a:alpha val="35000"/>
+              </a:srgbClr>
+            </a:outerShdw>
+          </a:effectLst>
+        </a:effectStyle>
+        <a:effectStyle>
+          <a:effectLst>
+            <a:outerShdw blurRad="40000" dist="23000" dir="5400000" rotWithShape="0">
+              <a:srgbClr val="000000">
+                <a:alpha val="35000"/>
+              </a:srgbClr>
+            </a:outerShdw>
+          </a:effectLst>
+          <a:scene3d>
+            <a:camera prst="orthographicFront">
+              <a:rot lat="0" lon="0" rev="0"/>
+            </a:camera>
+            <a:lightRig rig="threePt" dir="t">
+              <a:rot lat="0" lon="0" rev="1200000"/>
+            </a:lightRig>
+          </a:scene3d>
+          <a:sp3d>
+            <a:bevelT w="63500" h="25400"/>
+          </a:sp3d>
+        </a:effectStyle>
+      </a:effectStyleLst>
+      <a:bgFillStyleLst>
+        <a:solidFill>
+          <a:schemeClr val="phClr"/>
+        </a:solidFill>
+        <a:gradFill rotWithShape="1">
+          <a:gsLst>
+            <a:gs pos="0">
+              <a:schemeClr val="phClr">
+                <a:tint val="40000"/>
+                <a:satMod val="350000"/>
+              </a:schemeClr>
+            </a:gs>
+            <a:gs pos="40000">
+              <a:schemeClr val="phClr">
+                <a:tint val="45000"/>
+                <a:shade val="99000"/>
+                <a:satMod val="350000"/>
+              </a:schemeClr>
+            </a:gs>
+            <a:gs pos="100000">
+              <a:schemeClr val="phClr">
+                <a:shade val="20000"/>
+                <a:satMod val="255000"/>
+              </a:schemeClr>
+            </a:gs>
+          </a:gsLst>
+          <a:path path="circle">
+            <a:fillToRect l="50000" t="-80000" r="50000" b="180000"/>
+          </a:path>
+        </a:gradFill>
+        <a:gradFill rotWithShape="1">
+          <a:gsLst>
+            <a:gs pos="0">
+              <a:schemeClr val="phClr">
+                <a:tint val="80000"/>
+                <a:satMod val="300000"/>
+              </a:schemeClr>
+            </a:gs>
+            <a:gs pos="100000">
+              <a:schemeClr val="phClr">
+                <a:shade val="30000"/>
+                <a:satMod val="200000"/>
+              </a:schemeClr>
+            </a:gs>
+          </a:gsLst>
+          <a:path path="circle">
+            <a:fillToRect l="50000" t="50000" r="50000" b="50000"/>
+          </a:path>
+        </a:gradFill>
+      </a:bgFillStyleLst>
+    </a:fmtScheme>
+  </a:themeElements>
+</a:theme>
+</file>
+
+<file path=ppt/theme/theme2.xml><?xml version="1.0" encoding="utf-8"?>
 <a:theme xmlns:a="http://schemas.openxmlformats.org/drawingml/2006/main" xmlns:r="http://schemas.openxmlformats.org/officeDocument/2006/relationships" name="Simple Dark">
   <a:themeElements>
     <a:clrScheme name="Simple Dark">
@@ -30544,283 +31093,4 @@
     </a:fmtScheme>
   </a:themeElements>
 </a:theme>
-</file>
-
-<file path=ppt/theme/theme2.xml><?xml version="1.0" encoding="utf-8"?>
-<a:theme xmlns:a="http://schemas.openxmlformats.org/drawingml/2006/main" xmlns:r="http://schemas.openxmlformats.org/officeDocument/2006/relationships">
-  <a:themeElements>
-    <a:clrScheme name="Default">
-      <a:dk1>
-        <a:srgbClr val="000000"/>
-      </a:dk1>
-      <a:lt1>
-        <a:srgbClr val="FFFFFF"/>
-      </a:lt1>
-      <a:dk2>
-        <a:srgbClr val="158158"/>
-      </a:dk2>
-      <a:lt2>
-        <a:srgbClr val="F3F3F3"/>
-      </a:lt2>
-      <a:accent1>
-        <a:srgbClr val="058DC7"/>
-      </a:accent1>
-      <a:accent2>
-        <a:srgbClr val="50B432"/>
-      </a:accent2>
-      <a:accent3>
-        <a:srgbClr val="ED561B"/>
-      </a:accent3>
-      <a:accent4>
-        <a:srgbClr val="EDEF00"/>
-      </a:accent4>
-      <a:accent5>
-        <a:srgbClr val="24CBE5"/>
-      </a:accent5>
-      <a:accent6>
-        <a:srgbClr val="64E572"/>
-      </a:accent6>
-      <a:hlink>
-        <a:srgbClr val="2200CC"/>
-      </a:hlink>
-      <a:folHlink>
-        <a:srgbClr val="551A8B"/>
-      </a:folHlink>
-    </a:clrScheme>
-    <a:fontScheme name="Office">
-      <a:majorFont>
-        <a:latin typeface="Arial"/>
-        <a:ea typeface=""/>
-        <a:cs typeface=""/>
-        <a:font script="Jpan" typeface="ＭＳ Ｐゴシック"/>
-        <a:font script="Hang" typeface="맑은 고딕"/>
-        <a:font script="Hans" typeface="宋体"/>
-        <a:font script="Hant" typeface="新細明體"/>
-        <a:font script="Arab" typeface="Times New Roman"/>
-        <a:font script="Hebr" typeface="Times New Roman"/>
-        <a:font script="Thai" typeface="Angsana New"/>
-        <a:font script="Ethi" typeface="Nyala"/>
-        <a:font script="Beng" typeface="Vrinda"/>
-        <a:font script="Gujr" typeface="Shruti"/>
-        <a:font script="Khmr" typeface="MoolBoran"/>
-        <a:font script="Knda" typeface="Tunga"/>
-        <a:font script="Guru" typeface="Raavi"/>
-        <a:font script="Cans" typeface="Euphemia"/>
-        <a:font script="Cher" typeface="Plantagenet Cherokee"/>
-        <a:font script="Yiii" typeface="Microsoft Yi Baiti"/>
-        <a:font script="Tibt" typeface="Microsoft Himalaya"/>
-        <a:font script="Thaa" typeface="MV Boli"/>
-        <a:font script="Deva" typeface="Mangal"/>
-        <a:font script="Telu" typeface="Gautami"/>
-        <a:font script="Taml" typeface="Latha"/>
-        <a:font script="Syrc" typeface="Estrangelo Edessa"/>
-        <a:font script="Orya" typeface="Kalinga"/>
-        <a:font script="Mlym" typeface="Kartika"/>
-        <a:font script="Laoo" typeface="DokChampa"/>
-        <a:font script="Sinh" typeface="Iskoola Pota"/>
-        <a:font script="Mong" typeface="Mongolian Baiti"/>
-        <a:font script="Viet" typeface="Times New Roman"/>
-        <a:font script="Uigh" typeface="Microsoft Uighur"/>
-        <a:font script="Geor" typeface="Sylfaen"/>
-      </a:majorFont>
-      <a:minorFont>
-        <a:latin typeface="Arial"/>
-        <a:ea typeface=""/>
-        <a:cs typeface=""/>
-        <a:font script="Jpan" typeface="ＭＳ Ｐゴシック"/>
-        <a:font script="Hang" typeface="맑은 고딕"/>
-        <a:font script="Hans" typeface="宋体"/>
-        <a:font script="Hant" typeface="新細明體"/>
-        <a:font script="Arab" typeface="Arial"/>
-        <a:font script="Hebr" typeface="Arial"/>
-        <a:font script="Thai" typeface="Cordia New"/>
-        <a:font script="Ethi" typeface="Nyala"/>
-        <a:font script="Beng" typeface="Vrinda"/>
-        <a:font script="Gujr" typeface="Shruti"/>
-        <a:font script="Khmr" typeface="DaunPenh"/>
-        <a:font script="Knda" typeface="Tunga"/>
-        <a:font script="Guru" typeface="Raavi"/>
-        <a:font script="Cans" typeface="Euphemia"/>
-        <a:font script="Cher" typeface="Plantagenet Cherokee"/>
-        <a:font script="Yiii" typeface="Microsoft Yi Baiti"/>
-        <a:font script="Tibt" typeface="Microsoft Himalaya"/>
-        <a:font script="Thaa" typeface="MV Boli"/>
-        <a:font script="Deva" typeface="Mangal"/>
-        <a:font script="Telu" typeface="Gautami"/>
-        <a:font script="Taml" typeface="Latha"/>
-        <a:font script="Syrc" typeface="Estrangelo Edessa"/>
-        <a:font script="Orya" typeface="Kalinga"/>
-        <a:font script="Mlym" typeface="Kartika"/>
-        <a:font script="Laoo" typeface="DokChampa"/>
-        <a:font script="Sinh" typeface="Iskoola Pota"/>
-        <a:font script="Mong" typeface="Mongolian Baiti"/>
-        <a:font script="Viet" typeface="Arial"/>
-        <a:font script="Uigh" typeface="Microsoft Uighur"/>
-        <a:font script="Geor" typeface="Sylfaen"/>
-      </a:minorFont>
-    </a:fontScheme>
-    <a:fmtScheme name="Office">
-      <a:fillStyleLst>
-        <a:solidFill>
-          <a:schemeClr val="phClr"/>
-        </a:solidFill>
-        <a:gradFill rotWithShape="1">
-          <a:gsLst>
-            <a:gs pos="0">
-              <a:schemeClr val="phClr">
-                <a:tint val="50000"/>
-                <a:satMod val="300000"/>
-              </a:schemeClr>
-            </a:gs>
-            <a:gs pos="35000">
-              <a:schemeClr val="phClr">
-                <a:tint val="37000"/>
-                <a:satMod val="300000"/>
-              </a:schemeClr>
-            </a:gs>
-            <a:gs pos="100000">
-              <a:schemeClr val="phClr">
-                <a:tint val="15000"/>
-                <a:satMod val="350000"/>
-              </a:schemeClr>
-            </a:gs>
-          </a:gsLst>
-          <a:lin ang="16200000" scaled="1"/>
-        </a:gradFill>
-        <a:gradFill rotWithShape="1">
-          <a:gsLst>
-            <a:gs pos="0">
-              <a:schemeClr val="phClr">
-                <a:tint val="100000"/>
-                <a:shade val="100000"/>
-                <a:satMod val="130000"/>
-              </a:schemeClr>
-            </a:gs>
-            <a:gs pos="100000">
-              <a:schemeClr val="phClr">
-                <a:tint val="50000"/>
-                <a:shade val="100000"/>
-                <a:satMod val="350000"/>
-              </a:schemeClr>
-            </a:gs>
-          </a:gsLst>
-          <a:lin ang="16200000" scaled="0"/>
-        </a:gradFill>
-      </a:fillStyleLst>
-      <a:lnStyleLst>
-        <a:ln w="9525" cap="flat" cmpd="sng" algn="ctr">
-          <a:solidFill>
-            <a:schemeClr val="phClr">
-              <a:shade val="95000"/>
-              <a:satMod val="105000"/>
-            </a:schemeClr>
-          </a:solidFill>
-          <a:prstDash val="solid"/>
-        </a:ln>
-        <a:ln w="25400" cap="flat" cmpd="sng" algn="ctr">
-          <a:solidFill>
-            <a:schemeClr val="phClr"/>
-          </a:solidFill>
-          <a:prstDash val="solid"/>
-        </a:ln>
-        <a:ln w="38100" cap="flat" cmpd="sng" algn="ctr">
-          <a:solidFill>
-            <a:schemeClr val="phClr"/>
-          </a:solidFill>
-          <a:prstDash val="solid"/>
-        </a:ln>
-      </a:lnStyleLst>
-      <a:effectStyleLst>
-        <a:effectStyle>
-          <a:effectLst>
-            <a:outerShdw blurRad="40000" dist="20000" dir="5400000" rotWithShape="0">
-              <a:srgbClr val="000000">
-                <a:alpha val="38000"/>
-              </a:srgbClr>
-            </a:outerShdw>
-          </a:effectLst>
-        </a:effectStyle>
-        <a:effectStyle>
-          <a:effectLst>
-            <a:outerShdw blurRad="40000" dist="23000" dir="5400000" rotWithShape="0">
-              <a:srgbClr val="000000">
-                <a:alpha val="35000"/>
-              </a:srgbClr>
-            </a:outerShdw>
-          </a:effectLst>
-        </a:effectStyle>
-        <a:effectStyle>
-          <a:effectLst>
-            <a:outerShdw blurRad="40000" dist="23000" dir="5400000" rotWithShape="0">
-              <a:srgbClr val="000000">
-                <a:alpha val="35000"/>
-              </a:srgbClr>
-            </a:outerShdw>
-          </a:effectLst>
-          <a:scene3d>
-            <a:camera prst="orthographicFront">
-              <a:rot lat="0" lon="0" rev="0"/>
-            </a:camera>
-            <a:lightRig rig="threePt" dir="t">
-              <a:rot lat="0" lon="0" rev="1200000"/>
-            </a:lightRig>
-          </a:scene3d>
-          <a:sp3d>
-            <a:bevelT w="63500" h="25400"/>
-          </a:sp3d>
-        </a:effectStyle>
-      </a:effectStyleLst>
-      <a:bgFillStyleLst>
-        <a:solidFill>
-          <a:schemeClr val="phClr"/>
-        </a:solidFill>
-        <a:gradFill rotWithShape="1">
-          <a:gsLst>
-            <a:gs pos="0">
-              <a:schemeClr val="phClr">
-                <a:tint val="40000"/>
-                <a:satMod val="350000"/>
-              </a:schemeClr>
-            </a:gs>
-            <a:gs pos="40000">
-              <a:schemeClr val="phClr">
-                <a:tint val="45000"/>
-                <a:shade val="99000"/>
-                <a:satMod val="350000"/>
-              </a:schemeClr>
-            </a:gs>
-            <a:gs pos="100000">
-              <a:schemeClr val="phClr">
-                <a:shade val="20000"/>
-                <a:satMod val="255000"/>
-              </a:schemeClr>
-            </a:gs>
-          </a:gsLst>
-          <a:path path="circle">
-            <a:fillToRect l="50000" t="-80000" r="50000" b="180000"/>
-          </a:path>
-        </a:gradFill>
-        <a:gradFill rotWithShape="1">
-          <a:gsLst>
-            <a:gs pos="0">
-              <a:schemeClr val="phClr">
-                <a:tint val="80000"/>
-                <a:satMod val="300000"/>
-              </a:schemeClr>
-            </a:gs>
-            <a:gs pos="100000">
-              <a:schemeClr val="phClr">
-                <a:shade val="30000"/>
-                <a:satMod val="200000"/>
-              </a:schemeClr>
-            </a:gs>
-          </a:gsLst>
-          <a:path path="circle">
-            <a:fillToRect l="50000" t="50000" r="50000" b="50000"/>
-          </a:path>
-        </a:gradFill>
-      </a:bgFillStyleLst>
-    </a:fmtScheme>
-  </a:themeElements>
-</a:theme>
 </file>
--- a/kaplan_job_talk.pptx
+++ b/kaplan_job_talk.pptx
@@ -10161,7 +10161,15 @@
                   <a:srgbClr val="FF9900"/>
                 </a:solidFill>
               </a:rPr>
-              <a:t>Interactive graphs are a useful tool during research</a:t>
+              <a:t>Data dashboards </a:t>
+            </a:r>
+            <a:r>
+              <a:rPr lang="en">
+                <a:solidFill>
+                  <a:srgbClr val="FF9900"/>
+                </a:solidFill>
+              </a:rPr>
+              <a:t>are a useful tool during research</a:t>
             </a:r>
             <a:endParaRPr>
               <a:solidFill>
@@ -10270,6 +10278,25 @@
                 </a:solidFill>
               </a:rPr>
               <a:t>Can quickly discover problems</a:t>
+            </a:r>
+            <a:endParaRPr>
+              <a:solidFill>
+                <a:srgbClr val="FFFFFF"/>
+              </a:solidFill>
+            </a:endParaRPr>
+          </a:p>
+          <a:p>
+            <a:pPr indent="0" lvl="0" marL="457200" rtl="0" algn="l">
+              <a:spcBef>
+                <a:spcPts val="1600"/>
+              </a:spcBef>
+              <a:spcAft>
+                <a:spcPts val="1600"/>
+              </a:spcAft>
+              <a:buNone/>
+            </a:pPr>
+            <a:r>
+              <a:t/>
             </a:r>
             <a:endParaRPr>
               <a:solidFill>
@@ -10757,7 +10784,7 @@
                   <a:srgbClr val="FFFFFF"/>
                 </a:solidFill>
               </a:rPr>
-              <a:t>Police arrest people. Some arrested people end up in prison.</a:t>
+              <a:t>Police arrest people, some arrested people end up in prison.</a:t>
             </a:r>
             <a:endParaRPr sz="2000">
               <a:solidFill>
@@ -13119,37 +13146,6 @@
             </a:endParaRPr>
           </a:p>
           <a:p>
-            <a:pPr indent="-355600" lvl="1" marL="914400" marR="0" rtl="0" algn="l">
-              <a:lnSpc>
-                <a:spcPct val="115000"/>
-              </a:lnSpc>
-              <a:spcBef>
-                <a:spcPts val="0"/>
-              </a:spcBef>
-              <a:spcAft>
-                <a:spcPts val="0"/>
-              </a:spcAft>
-              <a:buClr>
-                <a:srgbClr val="FFFFFF"/>
-              </a:buClr>
-              <a:buSzPts val="2000"/>
-              <a:buChar char="○"/>
-            </a:pPr>
-            <a:r>
-              <a:rPr lang="en" sz="2000">
-                <a:solidFill>
-                  <a:srgbClr val="FFFFFF"/>
-                </a:solidFill>
-              </a:rPr>
-              <a:t>If anything, perhaps a small moderating effect</a:t>
-            </a:r>
-            <a:endParaRPr sz="2000">
-              <a:solidFill>
-                <a:srgbClr val="FFFFFF"/>
-              </a:solidFill>
-            </a:endParaRPr>
-          </a:p>
-          <a:p>
             <a:pPr indent="0" lvl="0" marL="457200" marR="0" rtl="0" algn="l">
               <a:lnSpc>
                 <a:spcPct val="115000"/>
@@ -13384,7 +13380,7 @@
             <a:tbl>
               <a:tblPr>
                 <a:noFill/>
-                <a:tableStyleId>{30DA677E-865E-4131-833F-9B0D3D506E07}</a:tableStyleId>
+                <a:tableStyleId>{A99B050E-6A6D-431E-9474-464BEF03B749}</a:tableStyleId>
               </a:tblPr>
               <a:tblGrid>
                 <a:gridCol w="3875650"/>
@@ -14138,7 +14134,7 @@
             <a:tbl>
               <a:tblPr>
                 <a:noFill/>
-                <a:tableStyleId>{30DA677E-865E-4131-833F-9B0D3D506E07}</a:tableStyleId>
+                <a:tableStyleId>{A99B050E-6A6D-431E-9474-464BEF03B749}</a:tableStyleId>
               </a:tblPr>
               <a:tblGrid>
                 <a:gridCol w="3875650"/>
@@ -15212,7 +15208,7 @@
             <a:tbl>
               <a:tblPr>
                 <a:noFill/>
-                <a:tableStyleId>{30DA677E-865E-4131-833F-9B0D3D506E07}</a:tableStyleId>
+                <a:tableStyleId>{A99B050E-6A6D-431E-9474-464BEF03B749}</a:tableStyleId>
               </a:tblPr>
               <a:tblGrid>
                 <a:gridCol w="3875650"/>
@@ -15991,7 +15987,7 @@
             <a:tbl>
               <a:tblPr>
                 <a:noFill/>
-                <a:tableStyleId>{30DA677E-865E-4131-833F-9B0D3D506E07}</a:tableStyleId>
+                <a:tableStyleId>{A99B050E-6A6D-431E-9474-464BEF03B749}</a:tableStyleId>
               </a:tblPr>
               <a:tblGrid>
                 <a:gridCol w="1680225"/>
@@ -16706,7 +16702,7 @@
             <a:tbl>
               <a:tblPr>
                 <a:noFill/>
-                <a:tableStyleId>{30DA677E-865E-4131-833F-9B0D3D506E07}</a:tableStyleId>
+                <a:tableStyleId>{A99B050E-6A6D-431E-9474-464BEF03B749}</a:tableStyleId>
               </a:tblPr>
               <a:tblGrid>
                 <a:gridCol w="1680225"/>
@@ -17436,7 +17432,7 @@
             <a:tbl>
               <a:tblPr>
                 <a:noFill/>
-                <a:tableStyleId>{30DA677E-865E-4131-833F-9B0D3D506E07}</a:tableStyleId>
+                <a:tableStyleId>{A99B050E-6A6D-431E-9474-464BEF03B749}</a:tableStyleId>
               </a:tblPr>
               <a:tblGrid>
                 <a:gridCol w="1680225"/>
@@ -19104,7 +19100,15 @@
                   <a:srgbClr val="FFFFFF"/>
                 </a:solidFill>
               </a:rPr>
-              <a:t>State-year number of new admissions to prison</a:t>
+              <a:t>N</a:t>
+            </a:r>
+            <a:r>
+              <a:rPr lang="en" sz="2000">
+                <a:solidFill>
+                  <a:srgbClr val="FFFFFF"/>
+                </a:solidFill>
+              </a:rPr>
+              <a:t>umber of new admissions to prison</a:t>
             </a:r>
             <a:endParaRPr sz="2000">
               <a:solidFill>
@@ -20463,7 +20467,7 @@
             <a:tbl>
               <a:tblPr>
                 <a:noFill/>
-                <a:tableStyleId>{30DA677E-865E-4131-833F-9B0D3D506E07}</a:tableStyleId>
+                <a:tableStyleId>{A99B050E-6A6D-431E-9474-464BEF03B749}</a:tableStyleId>
               </a:tblPr>
               <a:tblGrid>
                 <a:gridCol w="1828800"/>
@@ -21971,7 +21975,7 @@
             <a:tbl>
               <a:tblPr>
                 <a:noFill/>
-                <a:tableStyleId>{30DA677E-865E-4131-833F-9B0D3D506E07}</a:tableStyleId>
+                <a:tableStyleId>{A99B050E-6A6D-431E-9474-464BEF03B749}</a:tableStyleId>
               </a:tblPr>
               <a:tblGrid>
                 <a:gridCol w="1828800"/>
@@ -23479,7 +23483,7 @@
             <a:tbl>
               <a:tblPr>
                 <a:noFill/>
-                <a:tableStyleId>{30DA677E-865E-4131-833F-9B0D3D506E07}</a:tableStyleId>
+                <a:tableStyleId>{A99B050E-6A6D-431E-9474-464BEF03B749}</a:tableStyleId>
               </a:tblPr>
               <a:tblGrid>
                 <a:gridCol w="1828800"/>
@@ -24987,7 +24991,7 @@
             <a:tbl>
               <a:tblPr>
                 <a:noFill/>
-                <a:tableStyleId>{30DA677E-865E-4131-833F-9B0D3D506E07}</a:tableStyleId>
+                <a:tableStyleId>{A99B050E-6A6D-431E-9474-464BEF03B749}</a:tableStyleId>
               </a:tblPr>
               <a:tblGrid>
                 <a:gridCol w="1828800"/>
@@ -26709,7 +26713,15 @@
                   <a:srgbClr val="FF9900"/>
                 </a:solidFill>
               </a:rPr>
-              <a:t>Relevance to RTI</a:t>
+              <a:t>Contributions to the </a:t>
+            </a:r>
+            <a:r>
+              <a:rPr lang="en">
+                <a:solidFill>
+                  <a:srgbClr val="FF9900"/>
+                </a:solidFill>
+              </a:rPr>
+              <a:t>field</a:t>
             </a:r>
             <a:endParaRPr>
               <a:solidFill>
@@ -26761,7 +26773,7 @@
                   <a:srgbClr val="FFFFFF"/>
                 </a:solidFill>
               </a:rPr>
-              <a:t>Cleans and c</a:t>
+              <a:t>Clean and c</a:t>
             </a:r>
             <a:r>
               <a:rPr lang="en" sz="2000">
@@ -26797,7 +26809,7 @@
                   <a:srgbClr val="FFFFFF"/>
                 </a:solidFill>
               </a:rPr>
-              <a:t>Makes complicated data available</a:t>
+              <a:t>Make complicated data available</a:t>
             </a:r>
             <a:endParaRPr sz="2000">
               <a:solidFill>
@@ -26825,7 +26837,7 @@
                   <a:srgbClr val="FFFFFF"/>
                 </a:solidFill>
               </a:rPr>
-              <a:t>U.S. Census ASPEP data</a:t>
+              <a:t>Census ASPEP data</a:t>
             </a:r>
             <a:endParaRPr sz="2000">
               <a:solidFill>
@@ -27620,7 +27632,7 @@
             <a:tbl>
               <a:tblPr>
                 <a:noFill/>
-                <a:tableStyleId>{30DA677E-865E-4131-833F-9B0D3D506E07}</a:tableStyleId>
+                <a:tableStyleId>{A99B050E-6A6D-431E-9474-464BEF03B749}</a:tableStyleId>
               </a:tblPr>
               <a:tblGrid>
                 <a:gridCol w="1828800"/>
@@ -29417,7 +29429,23 @@
                   <a:srgbClr val="FFFFFF"/>
                 </a:solidFill>
               </a:rPr>
-              <a:t>Crimedatatool.com: Data dashboard</a:t>
+              <a:t>Crimedatatool.com: </a:t>
+            </a:r>
+            <a:r>
+              <a:rPr lang="en" sz="1600">
+                <a:solidFill>
+                  <a:srgbClr val="FFFFFF"/>
+                </a:solidFill>
+              </a:rPr>
+              <a:t>D</a:t>
+            </a:r>
+            <a:r>
+              <a:rPr lang="en" sz="1600">
+                <a:solidFill>
+                  <a:srgbClr val="FFFFFF"/>
+                </a:solidFill>
+              </a:rPr>
+              <a:t>ata dashboard</a:t>
             </a:r>
             <a:endParaRPr sz="1600">
               <a:solidFill>

--- a/kaplan_job_talk.pptx
+++ b/kaplan_job_talk.pptx
@@ -13380,7 +13380,7 @@
             <a:tbl>
               <a:tblPr>
                 <a:noFill/>
-                <a:tableStyleId>{A99B050E-6A6D-431E-9474-464BEF03B749}</a:tableStyleId>
+                <a:tableStyleId>{9BC49EA2-35CE-4CEC-960B-9334636CDEAB}</a:tableStyleId>
               </a:tblPr>
               <a:tblGrid>
                 <a:gridCol w="3875650"/>
@@ -14134,7 +14134,7 @@
             <a:tbl>
               <a:tblPr>
                 <a:noFill/>
-                <a:tableStyleId>{A99B050E-6A6D-431E-9474-464BEF03B749}</a:tableStyleId>
+                <a:tableStyleId>{9BC49EA2-35CE-4CEC-960B-9334636CDEAB}</a:tableStyleId>
               </a:tblPr>
               <a:tblGrid>
                 <a:gridCol w="3875650"/>
@@ -15208,7 +15208,7 @@
             <a:tbl>
               <a:tblPr>
                 <a:noFill/>
-                <a:tableStyleId>{A99B050E-6A6D-431E-9474-464BEF03B749}</a:tableStyleId>
+                <a:tableStyleId>{9BC49EA2-35CE-4CEC-960B-9334636CDEAB}</a:tableStyleId>
               </a:tblPr>
               <a:tblGrid>
                 <a:gridCol w="3875650"/>
@@ -15987,7 +15987,7 @@
             <a:tbl>
               <a:tblPr>
                 <a:noFill/>
-                <a:tableStyleId>{A99B050E-6A6D-431E-9474-464BEF03B749}</a:tableStyleId>
+                <a:tableStyleId>{9BC49EA2-35CE-4CEC-960B-9334636CDEAB}</a:tableStyleId>
               </a:tblPr>
               <a:tblGrid>
                 <a:gridCol w="1680225"/>
@@ -16702,7 +16702,7 @@
             <a:tbl>
               <a:tblPr>
                 <a:noFill/>
-                <a:tableStyleId>{A99B050E-6A6D-431E-9474-464BEF03B749}</a:tableStyleId>
+                <a:tableStyleId>{9BC49EA2-35CE-4CEC-960B-9334636CDEAB}</a:tableStyleId>
               </a:tblPr>
               <a:tblGrid>
                 <a:gridCol w="1680225"/>
@@ -17432,7 +17432,7 @@
             <a:tbl>
               <a:tblPr>
                 <a:noFill/>
-                <a:tableStyleId>{A99B050E-6A6D-431E-9474-464BEF03B749}</a:tableStyleId>
+                <a:tableStyleId>{9BC49EA2-35CE-4CEC-960B-9334636CDEAB}</a:tableStyleId>
               </a:tblPr>
               <a:tblGrid>
                 <a:gridCol w="1680225"/>
@@ -20070,7 +20070,7 @@
                   <a:schemeClr val="dk1"/>
                 </a:solidFill>
               </a:rPr>
-              <a:t>% Foreign born</a:t>
+              <a:t>% Foreign Born</a:t>
             </a:r>
             <a:endParaRPr sz="2000">
               <a:solidFill>
@@ -20467,7 +20467,7 @@
             <a:tbl>
               <a:tblPr>
                 <a:noFill/>
-                <a:tableStyleId>{A99B050E-6A6D-431E-9474-464BEF03B749}</a:tableStyleId>
+                <a:tableStyleId>{9BC49EA2-35CE-4CEC-960B-9334636CDEAB}</a:tableStyleId>
               </a:tblPr>
               <a:tblGrid>
                 <a:gridCol w="1828800"/>
@@ -21975,7 +21975,7 @@
             <a:tbl>
               <a:tblPr>
                 <a:noFill/>
-                <a:tableStyleId>{A99B050E-6A6D-431E-9474-464BEF03B749}</a:tableStyleId>
+                <a:tableStyleId>{9BC49EA2-35CE-4CEC-960B-9334636CDEAB}</a:tableStyleId>
               </a:tblPr>
               <a:tblGrid>
                 <a:gridCol w="1828800"/>
@@ -23483,7 +23483,7 @@
             <a:tbl>
               <a:tblPr>
                 <a:noFill/>
-                <a:tableStyleId>{A99B050E-6A6D-431E-9474-464BEF03B749}</a:tableStyleId>
+                <a:tableStyleId>{9BC49EA2-35CE-4CEC-960B-9334636CDEAB}</a:tableStyleId>
               </a:tblPr>
               <a:tblGrid>
                 <a:gridCol w="1828800"/>
@@ -24991,7 +24991,7 @@
             <a:tbl>
               <a:tblPr>
                 <a:noFill/>
-                <a:tableStyleId>{A99B050E-6A6D-431E-9474-464BEF03B749}</a:tableStyleId>
+                <a:tableStyleId>{9BC49EA2-35CE-4CEC-960B-9334636CDEAB}</a:tableStyleId>
               </a:tblPr>
               <a:tblGrid>
                 <a:gridCol w="1828800"/>
@@ -26567,34 +26567,6 @@
                   <a:schemeClr val="dk1"/>
                 </a:solidFill>
               </a:rPr>
-              <a:t>If anything, perhaps a small moderating effect</a:t>
-            </a:r>
-            <a:endParaRPr sz="2000">
-              <a:solidFill>
-                <a:schemeClr val="dk1"/>
-              </a:solidFill>
-            </a:endParaRPr>
-          </a:p>
-          <a:p>
-            <a:pPr indent="-355600" lvl="1" marL="914400" rtl="0" algn="l">
-              <a:spcBef>
-                <a:spcPts val="0"/>
-              </a:spcBef>
-              <a:spcAft>
-                <a:spcPts val="0"/>
-              </a:spcAft>
-              <a:buClr>
-                <a:schemeClr val="dk1"/>
-              </a:buClr>
-              <a:buSzPts val="2000"/>
-              <a:buChar char="○"/>
-            </a:pPr>
-            <a:r>
-              <a:rPr lang="en" sz="2000">
-                <a:solidFill>
-                  <a:schemeClr val="dk1"/>
-                </a:solidFill>
-              </a:rPr>
               <a:t>Only looks at prisons</a:t>
             </a:r>
             <a:endParaRPr>
@@ -27632,7 +27604,7 @@
             <a:tbl>
               <a:tblPr>
                 <a:noFill/>
-                <a:tableStyleId>{A99B050E-6A6D-431E-9474-464BEF03B749}</a:tableStyleId>
+                <a:tableStyleId>{9BC49EA2-35CE-4CEC-960B-9334636CDEAB}</a:tableStyleId>
               </a:tblPr>
               <a:tblGrid>
                 <a:gridCol w="1828800"/>

--- a/kaplan_job_talk.pptx
+++ b/kaplan_job_talk.pptx
@@ -13380,7 +13380,7 @@
             <a:tbl>
               <a:tblPr>
                 <a:noFill/>
-                <a:tableStyleId>{9BC49EA2-35CE-4CEC-960B-9334636CDEAB}</a:tableStyleId>
+                <a:tableStyleId>{11BAF6CE-7007-42F0-BCB3-1B313FE635DF}</a:tableStyleId>
               </a:tblPr>
               <a:tblGrid>
                 <a:gridCol w="3875650"/>
@@ -14134,7 +14134,7 @@
             <a:tbl>
               <a:tblPr>
                 <a:noFill/>
-                <a:tableStyleId>{9BC49EA2-35CE-4CEC-960B-9334636CDEAB}</a:tableStyleId>
+                <a:tableStyleId>{11BAF6CE-7007-42F0-BCB3-1B313FE635DF}</a:tableStyleId>
               </a:tblPr>
               <a:tblGrid>
                 <a:gridCol w="3875650"/>
@@ -15208,7 +15208,7 @@
             <a:tbl>
               <a:tblPr>
                 <a:noFill/>
-                <a:tableStyleId>{9BC49EA2-35CE-4CEC-960B-9334636CDEAB}</a:tableStyleId>
+                <a:tableStyleId>{11BAF6CE-7007-42F0-BCB3-1B313FE635DF}</a:tableStyleId>
               </a:tblPr>
               <a:tblGrid>
                 <a:gridCol w="3875650"/>
@@ -15987,7 +15987,7 @@
             <a:tbl>
               <a:tblPr>
                 <a:noFill/>
-                <a:tableStyleId>{9BC49EA2-35CE-4CEC-960B-9334636CDEAB}</a:tableStyleId>
+                <a:tableStyleId>{11BAF6CE-7007-42F0-BCB3-1B313FE635DF}</a:tableStyleId>
               </a:tblPr>
               <a:tblGrid>
                 <a:gridCol w="1680225"/>
@@ -16702,7 +16702,7 @@
             <a:tbl>
               <a:tblPr>
                 <a:noFill/>
-                <a:tableStyleId>{9BC49EA2-35CE-4CEC-960B-9334636CDEAB}</a:tableStyleId>
+                <a:tableStyleId>{11BAF6CE-7007-42F0-BCB3-1B313FE635DF}</a:tableStyleId>
               </a:tblPr>
               <a:tblGrid>
                 <a:gridCol w="1680225"/>
@@ -17432,7 +17432,7 @@
             <a:tbl>
               <a:tblPr>
                 <a:noFill/>
-                <a:tableStyleId>{9BC49EA2-35CE-4CEC-960B-9334636CDEAB}</a:tableStyleId>
+                <a:tableStyleId>{11BAF6CE-7007-42F0-BCB3-1B313FE635DF}</a:tableStyleId>
               </a:tblPr>
               <a:tblGrid>
                 <a:gridCol w="1680225"/>
@@ -20467,7 +20467,7 @@
             <a:tbl>
               <a:tblPr>
                 <a:noFill/>
-                <a:tableStyleId>{9BC49EA2-35CE-4CEC-960B-9334636CDEAB}</a:tableStyleId>
+                <a:tableStyleId>{11BAF6CE-7007-42F0-BCB3-1B313FE635DF}</a:tableStyleId>
               </a:tblPr>
               <a:tblGrid>
                 <a:gridCol w="1828800"/>
@@ -21975,7 +21975,7 @@
             <a:tbl>
               <a:tblPr>
                 <a:noFill/>
-                <a:tableStyleId>{9BC49EA2-35CE-4CEC-960B-9334636CDEAB}</a:tableStyleId>
+                <a:tableStyleId>{11BAF6CE-7007-42F0-BCB3-1B313FE635DF}</a:tableStyleId>
               </a:tblPr>
               <a:tblGrid>
                 <a:gridCol w="1828800"/>
@@ -23483,7 +23483,7 @@
             <a:tbl>
               <a:tblPr>
                 <a:noFill/>
-                <a:tableStyleId>{9BC49EA2-35CE-4CEC-960B-9334636CDEAB}</a:tableStyleId>
+                <a:tableStyleId>{11BAF6CE-7007-42F0-BCB3-1B313FE635DF}</a:tableStyleId>
               </a:tblPr>
               <a:tblGrid>
                 <a:gridCol w="1828800"/>
@@ -24991,7 +24991,7 @@
             <a:tbl>
               <a:tblPr>
                 <a:noFill/>
-                <a:tableStyleId>{9BC49EA2-35CE-4CEC-960B-9334636CDEAB}</a:tableStyleId>
+                <a:tableStyleId>{11BAF6CE-7007-42F0-BCB3-1B313FE635DF}</a:tableStyleId>
               </a:tblPr>
               <a:tblGrid>
                 <a:gridCol w="1828800"/>
@@ -26569,9 +26569,37 @@
               </a:rPr>
               <a:t>Only looks at prisons</a:t>
             </a:r>
-            <a:endParaRPr>
+            <a:endParaRPr sz="2000">
               <a:solidFill>
-                <a:srgbClr val="FFFFFF"/>
+                <a:schemeClr val="dk1"/>
+              </a:solidFill>
+            </a:endParaRPr>
+          </a:p>
+          <a:p>
+            <a:pPr indent="-355600" lvl="2" marL="1371600" rtl="0" algn="l">
+              <a:spcBef>
+                <a:spcPts val="0"/>
+              </a:spcBef>
+              <a:spcAft>
+                <a:spcPts val="0"/>
+              </a:spcAft>
+              <a:buClr>
+                <a:schemeClr val="dk1"/>
+              </a:buClr>
+              <a:buSzPts val="2000"/>
+              <a:buChar char="■"/>
+            </a:pPr>
+            <a:r>
+              <a:rPr lang="en" sz="2000">
+                <a:solidFill>
+                  <a:schemeClr val="dk1"/>
+                </a:solidFill>
+              </a:rPr>
+              <a:t>Next study looks at jails</a:t>
+            </a:r>
+            <a:endParaRPr sz="2000">
+              <a:solidFill>
+                <a:schemeClr val="dk1"/>
               </a:solidFill>
             </a:endParaRPr>
           </a:p>
@@ -27604,7 +27632,7 @@
             <a:tbl>
               <a:tblPr>
                 <a:noFill/>
-                <a:tableStyleId>{9BC49EA2-35CE-4CEC-960B-9334636CDEAB}</a:tableStyleId>
+                <a:tableStyleId>{11BAF6CE-7007-42F0-BCB3-1B313FE635DF}</a:tableStyleId>
               </a:tblPr>
               <a:tblGrid>
                 <a:gridCol w="1828800"/>

--- a/kaplan_job_talk.pptx
+++ b/kaplan_job_talk.pptx
@@ -3045,7 +3045,8 @@
               <a:buNone/>
             </a:pPr>
             <a:r>
-              <a:t/>
+              <a:rPr lang="en"/>
+              <a:t>Data for public, MEDIA, POLICY MAKERS</a:t>
             </a:r>
             <a:endParaRPr/>
           </a:p>
@@ -13380,7 +13381,7 @@
             <a:tbl>
               <a:tblPr>
                 <a:noFill/>
-                <a:tableStyleId>{11BAF6CE-7007-42F0-BCB3-1B313FE635DF}</a:tableStyleId>
+                <a:tableStyleId>{7D846411-1149-41CB-912D-6DFC0841FB4F}</a:tableStyleId>
               </a:tblPr>
               <a:tblGrid>
                 <a:gridCol w="3875650"/>
@@ -14134,7 +14135,7 @@
             <a:tbl>
               <a:tblPr>
                 <a:noFill/>
-                <a:tableStyleId>{11BAF6CE-7007-42F0-BCB3-1B313FE635DF}</a:tableStyleId>
+                <a:tableStyleId>{7D846411-1149-41CB-912D-6DFC0841FB4F}</a:tableStyleId>
               </a:tblPr>
               <a:tblGrid>
                 <a:gridCol w="3875650"/>
@@ -15208,7 +15209,7 @@
             <a:tbl>
               <a:tblPr>
                 <a:noFill/>
-                <a:tableStyleId>{11BAF6CE-7007-42F0-BCB3-1B313FE635DF}</a:tableStyleId>
+                <a:tableStyleId>{7D846411-1149-41CB-912D-6DFC0841FB4F}</a:tableStyleId>
               </a:tblPr>
               <a:tblGrid>
                 <a:gridCol w="3875650"/>
@@ -15987,7 +15988,7 @@
             <a:tbl>
               <a:tblPr>
                 <a:noFill/>
-                <a:tableStyleId>{11BAF6CE-7007-42F0-BCB3-1B313FE635DF}</a:tableStyleId>
+                <a:tableStyleId>{7D846411-1149-41CB-912D-6DFC0841FB4F}</a:tableStyleId>
               </a:tblPr>
               <a:tblGrid>
                 <a:gridCol w="1680225"/>
@@ -16702,7 +16703,7 @@
             <a:tbl>
               <a:tblPr>
                 <a:noFill/>
-                <a:tableStyleId>{11BAF6CE-7007-42F0-BCB3-1B313FE635DF}</a:tableStyleId>
+                <a:tableStyleId>{7D846411-1149-41CB-912D-6DFC0841FB4F}</a:tableStyleId>
               </a:tblPr>
               <a:tblGrid>
                 <a:gridCol w="1680225"/>
@@ -17432,7 +17433,7 @@
             <a:tbl>
               <a:tblPr>
                 <a:noFill/>
-                <a:tableStyleId>{11BAF6CE-7007-42F0-BCB3-1B313FE635DF}</a:tableStyleId>
+                <a:tableStyleId>{7D846411-1149-41CB-912D-6DFC0841FB4F}</a:tableStyleId>
               </a:tblPr>
               <a:tblGrid>
                 <a:gridCol w="1680225"/>
@@ -20467,7 +20468,7 @@
             <a:tbl>
               <a:tblPr>
                 <a:noFill/>
-                <a:tableStyleId>{11BAF6CE-7007-42F0-BCB3-1B313FE635DF}</a:tableStyleId>
+                <a:tableStyleId>{7D846411-1149-41CB-912D-6DFC0841FB4F}</a:tableStyleId>
               </a:tblPr>
               <a:tblGrid>
                 <a:gridCol w="1828800"/>
@@ -20593,7 +20594,15 @@
                             <a:srgbClr val="999999"/>
                           </a:solidFill>
                         </a:rPr>
-                        <a:t>Expected Prison Spells</a:t>
+                        <a:t>Expected Prison </a:t>
+                      </a:r>
+                      <a:r>
+                        <a:rPr lang="en" sz="2000">
+                          <a:solidFill>
+                            <a:srgbClr val="999999"/>
+                          </a:solidFill>
+                        </a:rPr>
+                        <a:t>Spells</a:t>
                       </a:r>
                       <a:endParaRPr sz="2000">
                         <a:solidFill>
@@ -20626,7 +20635,15 @@
                             <a:srgbClr val="999999"/>
                           </a:solidFill>
                         </a:rPr>
-                        <a:t>Actual Prison Spells</a:t>
+                        <a:t>Actual Prison </a:t>
+                      </a:r>
+                      <a:r>
+                        <a:rPr lang="en" sz="2000">
+                          <a:solidFill>
+                            <a:srgbClr val="999999"/>
+                          </a:solidFill>
+                        </a:rPr>
+                        <a:t>Spells</a:t>
                       </a:r>
                       <a:endParaRPr sz="2000">
                         <a:solidFill>
@@ -21975,7 +21992,7 @@
             <a:tbl>
               <a:tblPr>
                 <a:noFill/>
-                <a:tableStyleId>{11BAF6CE-7007-42F0-BCB3-1B313FE635DF}</a:tableStyleId>
+                <a:tableStyleId>{7D846411-1149-41CB-912D-6DFC0841FB4F}</a:tableStyleId>
               </a:tblPr>
               <a:tblGrid>
                 <a:gridCol w="1828800"/>
@@ -23483,7 +23500,7 @@
             <a:tbl>
               <a:tblPr>
                 <a:noFill/>
-                <a:tableStyleId>{11BAF6CE-7007-42F0-BCB3-1B313FE635DF}</a:tableStyleId>
+                <a:tableStyleId>{7D846411-1149-41CB-912D-6DFC0841FB4F}</a:tableStyleId>
               </a:tblPr>
               <a:tblGrid>
                 <a:gridCol w="1828800"/>
@@ -24991,7 +25008,7 @@
             <a:tbl>
               <a:tblPr>
                 <a:noFill/>
-                <a:tableStyleId>{11BAF6CE-7007-42F0-BCB3-1B313FE635DF}</a:tableStyleId>
+                <a:tableStyleId>{7D846411-1149-41CB-912D-6DFC0841FB4F}</a:tableStyleId>
               </a:tblPr>
               <a:tblGrid>
                 <a:gridCol w="1828800"/>
@@ -26520,6 +26537,34 @@
             </a:endParaRPr>
           </a:p>
           <a:p>
+            <a:pPr indent="-355600" lvl="1" marL="914400" rtl="0" algn="l">
+              <a:spcBef>
+                <a:spcPts val="0"/>
+              </a:spcBef>
+              <a:spcAft>
+                <a:spcPts val="0"/>
+              </a:spcAft>
+              <a:buClr>
+                <a:schemeClr val="dk1"/>
+              </a:buClr>
+              <a:buSzPts val="2000"/>
+              <a:buChar char="○"/>
+            </a:pPr>
+            <a:r>
+              <a:rPr lang="en" sz="2000">
+                <a:solidFill>
+                  <a:schemeClr val="dk1"/>
+                </a:solidFill>
+              </a:rPr>
+              <a:t>Likely due to deterrence of crimes</a:t>
+            </a:r>
+            <a:endParaRPr sz="2000">
+              <a:solidFill>
+                <a:schemeClr val="dk1"/>
+              </a:solidFill>
+            </a:endParaRPr>
+          </a:p>
+          <a:p>
             <a:pPr indent="-355600" lvl="0" marL="457200" rtl="0" algn="l">
               <a:spcBef>
                 <a:spcPts val="0"/>
@@ -27632,7 +27677,7 @@
             <a:tbl>
               <a:tblPr>
                 <a:noFill/>
-                <a:tableStyleId>{11BAF6CE-7007-42F0-BCB3-1B313FE635DF}</a:tableStyleId>
+                <a:tableStyleId>{7D846411-1149-41CB-912D-6DFC0841FB4F}</a:tableStyleId>
               </a:tblPr>
               <a:tblGrid>
                 <a:gridCol w="1828800"/>
@@ -28987,6 +29032,34 @@
               </a:solidFill>
             </a:endParaRPr>
           </a:p>
+          <a:p>
+            <a:pPr indent="-330200" lvl="1" marL="914400" rtl="0" algn="l">
+              <a:spcBef>
+                <a:spcPts val="0"/>
+              </a:spcBef>
+              <a:spcAft>
+                <a:spcPts val="0"/>
+              </a:spcAft>
+              <a:buClr>
+                <a:srgbClr val="FFFFFF"/>
+              </a:buClr>
+              <a:buSzPts val="1600"/>
+              <a:buChar char="○"/>
+            </a:pPr>
+            <a:r>
+              <a:rPr lang="en" sz="1600">
+                <a:solidFill>
+                  <a:srgbClr val="FFFFFF"/>
+                </a:solidFill>
+              </a:rPr>
+              <a:t>Data vs Information</a:t>
+            </a:r>
+            <a:endParaRPr sz="1600">
+              <a:solidFill>
+                <a:srgbClr val="FFFFFF"/>
+              </a:solidFill>
+            </a:endParaRPr>
+          </a:p>
         </p:txBody>
       </p:sp>
       <p:sp>
@@ -29298,6 +29371,34 @@
             </a:endParaRPr>
           </a:p>
           <a:p>
+            <a:pPr indent="-330200" lvl="1" marL="914400" rtl="0" algn="l">
+              <a:spcBef>
+                <a:spcPts val="0"/>
+              </a:spcBef>
+              <a:spcAft>
+                <a:spcPts val="0"/>
+              </a:spcAft>
+              <a:buClr>
+                <a:srgbClr val="FFFFFF"/>
+              </a:buClr>
+              <a:buSzPts val="1600"/>
+              <a:buChar char="○"/>
+            </a:pPr>
+            <a:r>
+              <a:rPr lang="en" sz="1600">
+                <a:solidFill>
+                  <a:srgbClr val="FFFFFF"/>
+                </a:solidFill>
+              </a:rPr>
+              <a:t>Data vs Information</a:t>
+            </a:r>
+            <a:endParaRPr sz="1600">
+              <a:solidFill>
+                <a:srgbClr val="FFFFFF"/>
+              </a:solidFill>
+            </a:endParaRPr>
+          </a:p>
+          <a:p>
             <a:pPr indent="-342900" lvl="0" marL="457200" rtl="0" algn="l">
               <a:spcBef>
                 <a:spcPts val="0"/>
@@ -29446,6 +29547,34 @@
                 </a:solidFill>
               </a:rPr>
               <a:t>ata dashboard</a:t>
+            </a:r>
+            <a:endParaRPr sz="1600">
+              <a:solidFill>
+                <a:srgbClr val="FFFFFF"/>
+              </a:solidFill>
+            </a:endParaRPr>
+          </a:p>
+          <a:p>
+            <a:pPr indent="-330200" lvl="1" marL="914400" rtl="0" algn="l">
+              <a:spcBef>
+                <a:spcPts val="0"/>
+              </a:spcBef>
+              <a:spcAft>
+                <a:spcPts val="0"/>
+              </a:spcAft>
+              <a:buClr>
+                <a:srgbClr val="FFFFFF"/>
+              </a:buClr>
+              <a:buSzPts val="1600"/>
+              <a:buChar char="○"/>
+            </a:pPr>
+            <a:r>
+              <a:rPr lang="en" sz="1600">
+                <a:solidFill>
+                  <a:srgbClr val="FFFFFF"/>
+                </a:solidFill>
+              </a:rPr>
+              <a:t>Publish data on openICSPR</a:t>
             </a:r>
             <a:endParaRPr sz="1600">
               <a:solidFill>
